--- a/AI-DataQuality Analyst/Module5-Import Data as per Specifications/5.1-Import Data Session1(12th-0p)/Importing Data.pptx
+++ b/AI-DataQuality Analyst/Module5-Import Data as per Specifications/5.1-Import Data Session1(12th-0p)/Importing Data.pptx
@@ -5,20 +5,21 @@
     <p:sldMasterId id="2147483648" r:id="rId1"/>
   </p:sldMasterIdLst>
   <p:notesMasterIdLst>
-    <p:notesMasterId r:id="rId13"/>
+    <p:notesMasterId r:id="rId14"/>
   </p:notesMasterIdLst>
   <p:sldIdLst>
     <p:sldId id="257" r:id="rId2"/>
     <p:sldId id="256" r:id="rId3"/>
     <p:sldId id="259" r:id="rId4"/>
     <p:sldId id="260" r:id="rId5"/>
-    <p:sldId id="267" r:id="rId6"/>
-    <p:sldId id="266" r:id="rId7"/>
-    <p:sldId id="262" r:id="rId8"/>
-    <p:sldId id="263" r:id="rId9"/>
-    <p:sldId id="264" r:id="rId10"/>
-    <p:sldId id="265" r:id="rId11"/>
-    <p:sldId id="261" r:id="rId12"/>
+    <p:sldId id="268" r:id="rId6"/>
+    <p:sldId id="269" r:id="rId7"/>
+    <p:sldId id="270" r:id="rId8"/>
+    <p:sldId id="271" r:id="rId9"/>
+    <p:sldId id="272" r:id="rId10"/>
+    <p:sldId id="273" r:id="rId11"/>
+    <p:sldId id="274" r:id="rId12"/>
+    <p:sldId id="261" r:id="rId13"/>
   </p:sldIdLst>
   <p:sldSz cx="12192000" cy="6858000"/>
   <p:notesSz cx="6858000" cy="9144000"/>
@@ -125,6 +126,314 @@
 </p:presentation>
 </file>
 
+<file path=ppt/changesInfos/changesInfo1.xml><?xml version="1.0" encoding="utf-8"?>
+<pc:chgInfo xmlns:a="http://schemas.openxmlformats.org/drawingml/2006/main" xmlns:r="http://schemas.openxmlformats.org/officeDocument/2006/relationships" xmlns:ac="http://schemas.microsoft.com/office/drawing/2013/main/command" xmlns:pc="http://schemas.microsoft.com/office/powerpoint/2013/main/command">
+  <pc:docChgLst>
+    <pc:chgData name="Krishna Kant Dubey" userId="cd28fa1e1902c48d" providerId="LiveId" clId="{BE480D1D-EC04-40B8-B333-3E94AD0F077D}"/>
+    <pc:docChg chg="undo custSel addSld delSld modSld">
+      <pc:chgData name="Krishna Kant Dubey" userId="cd28fa1e1902c48d" providerId="LiveId" clId="{BE480D1D-EC04-40B8-B333-3E94AD0F077D}" dt="2025-08-11T10:57:33.995" v="919" actId="207"/>
+      <pc:docMkLst>
+        <pc:docMk/>
+      </pc:docMkLst>
+      <pc:sldChg chg="modSp mod">
+        <pc:chgData name="Krishna Kant Dubey" userId="cd28fa1e1902c48d" providerId="LiveId" clId="{BE480D1D-EC04-40B8-B333-3E94AD0F077D}" dt="2025-08-11T10:20:34.138" v="22" actId="207"/>
+        <pc:sldMkLst>
+          <pc:docMk/>
+          <pc:sldMk cId="1080327146" sldId="256"/>
+        </pc:sldMkLst>
+        <pc:spChg chg="mod">
+          <ac:chgData name="Krishna Kant Dubey" userId="cd28fa1e1902c48d" providerId="LiveId" clId="{BE480D1D-EC04-40B8-B333-3E94AD0F077D}" dt="2025-08-11T10:20:34.138" v="22" actId="207"/>
+          <ac:spMkLst>
+            <pc:docMk/>
+            <pc:sldMk cId="1080327146" sldId="256"/>
+            <ac:spMk id="12" creationId="{941B6D05-14FE-733C-BADE-E07A8CDD1589}"/>
+          </ac:spMkLst>
+        </pc:spChg>
+      </pc:sldChg>
+      <pc:sldChg chg="addSp modSp">
+        <pc:chgData name="Krishna Kant Dubey" userId="cd28fa1e1902c48d" providerId="LiveId" clId="{BE480D1D-EC04-40B8-B333-3E94AD0F077D}" dt="2025-08-11T08:25:46.921" v="0"/>
+        <pc:sldMkLst>
+          <pc:docMk/>
+          <pc:sldMk cId="2381247086" sldId="257"/>
+        </pc:sldMkLst>
+        <pc:picChg chg="add mod">
+          <ac:chgData name="Krishna Kant Dubey" userId="cd28fa1e1902c48d" providerId="LiveId" clId="{BE480D1D-EC04-40B8-B333-3E94AD0F077D}" dt="2025-08-11T08:25:46.921" v="0"/>
+          <ac:picMkLst>
+            <pc:docMk/>
+            <pc:sldMk cId="2381247086" sldId="257"/>
+            <ac:picMk id="3" creationId="{49D86A38-3EE8-3EE8-6AF2-C0DB66DB3443}"/>
+          </ac:picMkLst>
+        </pc:picChg>
+      </pc:sldChg>
+      <pc:sldChg chg="modSp mod">
+        <pc:chgData name="Krishna Kant Dubey" userId="cd28fa1e1902c48d" providerId="LiveId" clId="{BE480D1D-EC04-40B8-B333-3E94AD0F077D}" dt="2025-08-11T10:42:33.060" v="720" actId="20577"/>
+        <pc:sldMkLst>
+          <pc:docMk/>
+          <pc:sldMk cId="2701513036" sldId="259"/>
+        </pc:sldMkLst>
+        <pc:spChg chg="mod">
+          <ac:chgData name="Krishna Kant Dubey" userId="cd28fa1e1902c48d" providerId="LiveId" clId="{BE480D1D-EC04-40B8-B333-3E94AD0F077D}" dt="2025-08-11T10:42:33.060" v="720" actId="20577"/>
+          <ac:spMkLst>
+            <pc:docMk/>
+            <pc:sldMk cId="2701513036" sldId="259"/>
+            <ac:spMk id="13" creationId="{459108AF-66D9-CD3C-DDCE-0CFFD70B496D}"/>
+          </ac:spMkLst>
+        </pc:spChg>
+      </pc:sldChg>
+      <pc:sldChg chg="addSp delSp modSp mod">
+        <pc:chgData name="Krishna Kant Dubey" userId="cd28fa1e1902c48d" providerId="LiveId" clId="{BE480D1D-EC04-40B8-B333-3E94AD0F077D}" dt="2025-08-11T10:25:55.616" v="109" actId="12385"/>
+        <pc:sldMkLst>
+          <pc:docMk/>
+          <pc:sldMk cId="131540703" sldId="260"/>
+        </pc:sldMkLst>
+        <pc:spChg chg="del mod">
+          <ac:chgData name="Krishna Kant Dubey" userId="cd28fa1e1902c48d" providerId="LiveId" clId="{BE480D1D-EC04-40B8-B333-3E94AD0F077D}" dt="2025-08-11T10:22:18.793" v="29" actId="3680"/>
+          <ac:spMkLst>
+            <pc:docMk/>
+            <pc:sldMk cId="131540703" sldId="260"/>
+            <ac:spMk id="4" creationId="{578CAB42-7D2A-6EDC-C435-EECC86B0DFC6}"/>
+          </ac:spMkLst>
+        </pc:spChg>
+        <pc:spChg chg="mod">
+          <ac:chgData name="Krishna Kant Dubey" userId="cd28fa1e1902c48d" providerId="LiveId" clId="{BE480D1D-EC04-40B8-B333-3E94AD0F077D}" dt="2025-08-11T10:21:44.682" v="26" actId="14100"/>
+          <ac:spMkLst>
+            <pc:docMk/>
+            <pc:sldMk cId="131540703" sldId="260"/>
+            <ac:spMk id="12" creationId="{14221AC7-70EF-3E78-7957-84141B5AD992}"/>
+          </ac:spMkLst>
+        </pc:spChg>
+        <pc:graphicFrameChg chg="add mod ord modGraphic">
+          <ac:chgData name="Krishna Kant Dubey" userId="cd28fa1e1902c48d" providerId="LiveId" clId="{BE480D1D-EC04-40B8-B333-3E94AD0F077D}" dt="2025-08-11T10:25:55.616" v="109" actId="12385"/>
+          <ac:graphicFrameMkLst>
+            <pc:docMk/>
+            <pc:sldMk cId="131540703" sldId="260"/>
+            <ac:graphicFrameMk id="2" creationId="{4AB5ACB4-052C-48A1-A835-86F94E8DA62D}"/>
+          </ac:graphicFrameMkLst>
+        </pc:graphicFrameChg>
+      </pc:sldChg>
+      <pc:sldChg chg="del">
+        <pc:chgData name="Krishna Kant Dubey" userId="cd28fa1e1902c48d" providerId="LiveId" clId="{BE480D1D-EC04-40B8-B333-3E94AD0F077D}" dt="2025-08-11T10:33:37.668" v="407" actId="2696"/>
+        <pc:sldMkLst>
+          <pc:docMk/>
+          <pc:sldMk cId="1248854694" sldId="262"/>
+        </pc:sldMkLst>
+      </pc:sldChg>
+      <pc:sldChg chg="del">
+        <pc:chgData name="Krishna Kant Dubey" userId="cd28fa1e1902c48d" providerId="LiveId" clId="{BE480D1D-EC04-40B8-B333-3E94AD0F077D}" dt="2025-08-11T10:33:37.668" v="407" actId="2696"/>
+        <pc:sldMkLst>
+          <pc:docMk/>
+          <pc:sldMk cId="2329110552" sldId="263"/>
+        </pc:sldMkLst>
+      </pc:sldChg>
+      <pc:sldChg chg="del">
+        <pc:chgData name="Krishna Kant Dubey" userId="cd28fa1e1902c48d" providerId="LiveId" clId="{BE480D1D-EC04-40B8-B333-3E94AD0F077D}" dt="2025-08-11T10:33:37.668" v="407" actId="2696"/>
+        <pc:sldMkLst>
+          <pc:docMk/>
+          <pc:sldMk cId="3334215418" sldId="264"/>
+        </pc:sldMkLst>
+      </pc:sldChg>
+      <pc:sldChg chg="del">
+        <pc:chgData name="Krishna Kant Dubey" userId="cd28fa1e1902c48d" providerId="LiveId" clId="{BE480D1D-EC04-40B8-B333-3E94AD0F077D}" dt="2025-08-11T10:33:37.668" v="407" actId="2696"/>
+        <pc:sldMkLst>
+          <pc:docMk/>
+          <pc:sldMk cId="1195287565" sldId="265"/>
+        </pc:sldMkLst>
+      </pc:sldChg>
+      <pc:sldChg chg="del">
+        <pc:chgData name="Krishna Kant Dubey" userId="cd28fa1e1902c48d" providerId="LiveId" clId="{BE480D1D-EC04-40B8-B333-3E94AD0F077D}" dt="2025-08-11T10:33:37.668" v="407" actId="2696"/>
+        <pc:sldMkLst>
+          <pc:docMk/>
+          <pc:sldMk cId="1370868504" sldId="266"/>
+        </pc:sldMkLst>
+      </pc:sldChg>
+      <pc:sldChg chg="del">
+        <pc:chgData name="Krishna Kant Dubey" userId="cd28fa1e1902c48d" providerId="LiveId" clId="{BE480D1D-EC04-40B8-B333-3E94AD0F077D}" dt="2025-08-11T10:33:37.668" v="407" actId="2696"/>
+        <pc:sldMkLst>
+          <pc:docMk/>
+          <pc:sldMk cId="1337943040" sldId="267"/>
+        </pc:sldMkLst>
+      </pc:sldChg>
+      <pc:sldChg chg="modSp add mod">
+        <pc:chgData name="Krishna Kant Dubey" userId="cd28fa1e1902c48d" providerId="LiveId" clId="{BE480D1D-EC04-40B8-B333-3E94AD0F077D}" dt="2025-08-11T10:33:05.807" v="405" actId="2165"/>
+        <pc:sldMkLst>
+          <pc:docMk/>
+          <pc:sldMk cId="2221032539" sldId="268"/>
+        </pc:sldMkLst>
+        <pc:spChg chg="mod">
+          <ac:chgData name="Krishna Kant Dubey" userId="cd28fa1e1902c48d" providerId="LiveId" clId="{BE480D1D-EC04-40B8-B333-3E94AD0F077D}" dt="2025-08-11T10:26:40.763" v="131" actId="14100"/>
+          <ac:spMkLst>
+            <pc:docMk/>
+            <pc:sldMk cId="2221032539" sldId="268"/>
+            <ac:spMk id="12" creationId="{DC1743FB-0970-7240-2CD4-7919F2E09408}"/>
+          </ac:spMkLst>
+        </pc:spChg>
+        <pc:graphicFrameChg chg="mod modGraphic">
+          <ac:chgData name="Krishna Kant Dubey" userId="cd28fa1e1902c48d" providerId="LiveId" clId="{BE480D1D-EC04-40B8-B333-3E94AD0F077D}" dt="2025-08-11T10:33:05.807" v="405" actId="2165"/>
+          <ac:graphicFrameMkLst>
+            <pc:docMk/>
+            <pc:sldMk cId="2221032539" sldId="268"/>
+            <ac:graphicFrameMk id="2" creationId="{A9763074-38F6-D840-1059-2B76DDD63508}"/>
+          </ac:graphicFrameMkLst>
+        </pc:graphicFrameChg>
+      </pc:sldChg>
+      <pc:sldChg chg="modSp add mod">
+        <pc:chgData name="Krishna Kant Dubey" userId="cd28fa1e1902c48d" providerId="LiveId" clId="{BE480D1D-EC04-40B8-B333-3E94AD0F077D}" dt="2025-08-11T10:41:16.868" v="719" actId="20577"/>
+        <pc:sldMkLst>
+          <pc:docMk/>
+          <pc:sldMk cId="4197853947" sldId="269"/>
+        </pc:sldMkLst>
+        <pc:spChg chg="mod">
+          <ac:chgData name="Krishna Kant Dubey" userId="cd28fa1e1902c48d" providerId="LiveId" clId="{BE480D1D-EC04-40B8-B333-3E94AD0F077D}" dt="2025-08-11T10:33:56.480" v="410" actId="20577"/>
+          <ac:spMkLst>
+            <pc:docMk/>
+            <pc:sldMk cId="4197853947" sldId="269"/>
+            <ac:spMk id="12" creationId="{397E860A-3AB6-04FF-D226-778ABD764315}"/>
+          </ac:spMkLst>
+        </pc:spChg>
+        <pc:graphicFrameChg chg="mod modGraphic">
+          <ac:chgData name="Krishna Kant Dubey" userId="cd28fa1e1902c48d" providerId="LiveId" clId="{BE480D1D-EC04-40B8-B333-3E94AD0F077D}" dt="2025-08-11T10:41:16.868" v="719" actId="20577"/>
+          <ac:graphicFrameMkLst>
+            <pc:docMk/>
+            <pc:sldMk cId="4197853947" sldId="269"/>
+            <ac:graphicFrameMk id="2" creationId="{09B7FF8B-722A-4FC6-D69D-EF15308A192E}"/>
+          </ac:graphicFrameMkLst>
+        </pc:graphicFrameChg>
+      </pc:sldChg>
+      <pc:sldChg chg="addSp delSp modSp add mod">
+        <pc:chgData name="Krishna Kant Dubey" userId="cd28fa1e1902c48d" providerId="LiveId" clId="{BE480D1D-EC04-40B8-B333-3E94AD0F077D}" dt="2025-08-11T10:47:30.552" v="845"/>
+        <pc:sldMkLst>
+          <pc:docMk/>
+          <pc:sldMk cId="732238107" sldId="270"/>
+        </pc:sldMkLst>
+        <pc:spChg chg="add mod">
+          <ac:chgData name="Krishna Kant Dubey" userId="cd28fa1e1902c48d" providerId="LiveId" clId="{BE480D1D-EC04-40B8-B333-3E94AD0F077D}" dt="2025-08-11T10:44:05.887" v="730" actId="113"/>
+          <ac:spMkLst>
+            <pc:docMk/>
+            <pc:sldMk cId="732238107" sldId="270"/>
+            <ac:spMk id="4" creationId="{531A3FF2-726D-F4CB-8E19-664574878C17}"/>
+          </ac:spMkLst>
+        </pc:spChg>
+        <pc:spChg chg="mod">
+          <ac:chgData name="Krishna Kant Dubey" userId="cd28fa1e1902c48d" providerId="LiveId" clId="{BE480D1D-EC04-40B8-B333-3E94AD0F077D}" dt="2025-08-11T10:43:28.961" v="723" actId="20577"/>
+          <ac:spMkLst>
+            <pc:docMk/>
+            <pc:sldMk cId="732238107" sldId="270"/>
+            <ac:spMk id="12" creationId="{0298C027-E491-70DE-6B88-825B1ACA843A}"/>
+          </ac:spMkLst>
+        </pc:spChg>
+        <pc:graphicFrameChg chg="del modGraphic">
+          <ac:chgData name="Krishna Kant Dubey" userId="cd28fa1e1902c48d" providerId="LiveId" clId="{BE480D1D-EC04-40B8-B333-3E94AD0F077D}" dt="2025-08-11T10:43:36.070" v="725" actId="478"/>
+          <ac:graphicFrameMkLst>
+            <pc:docMk/>
+            <pc:sldMk cId="732238107" sldId="270"/>
+            <ac:graphicFrameMk id="2" creationId="{16A755F9-9DEA-8AA9-5532-D450C2CDFCF9}"/>
+          </ac:graphicFrameMkLst>
+        </pc:graphicFrameChg>
+        <pc:graphicFrameChg chg="add mod modGraphic">
+          <ac:chgData name="Krishna Kant Dubey" userId="cd28fa1e1902c48d" providerId="LiveId" clId="{BE480D1D-EC04-40B8-B333-3E94AD0F077D}" dt="2025-08-11T10:47:30.552" v="845"/>
+          <ac:graphicFrameMkLst>
+            <pc:docMk/>
+            <pc:sldMk cId="732238107" sldId="270"/>
+            <ac:graphicFrameMk id="5" creationId="{917387D9-6FCC-B059-BC9A-FB78329E00C5}"/>
+          </ac:graphicFrameMkLst>
+        </pc:graphicFrameChg>
+      </pc:sldChg>
+      <pc:sldChg chg="add del">
+        <pc:chgData name="Krishna Kant Dubey" userId="cd28fa1e1902c48d" providerId="LiveId" clId="{BE480D1D-EC04-40B8-B333-3E94AD0F077D}" dt="2025-08-11T10:44:18.996" v="732"/>
+        <pc:sldMkLst>
+          <pc:docMk/>
+          <pc:sldMk cId="1534797091" sldId="271"/>
+        </pc:sldMkLst>
+      </pc:sldChg>
+      <pc:sldChg chg="modSp add mod">
+        <pc:chgData name="Krishna Kant Dubey" userId="cd28fa1e1902c48d" providerId="LiveId" clId="{BE480D1D-EC04-40B8-B333-3E94AD0F077D}" dt="2025-08-11T10:51:49.089" v="867"/>
+        <pc:sldMkLst>
+          <pc:docMk/>
+          <pc:sldMk cId="2591591968" sldId="271"/>
+        </pc:sldMkLst>
+        <pc:spChg chg="mod">
+          <ac:chgData name="Krishna Kant Dubey" userId="cd28fa1e1902c48d" providerId="LiveId" clId="{BE480D1D-EC04-40B8-B333-3E94AD0F077D}" dt="2025-08-11T10:50:26.852" v="847"/>
+          <ac:spMkLst>
+            <pc:docMk/>
+            <pc:sldMk cId="2591591968" sldId="271"/>
+            <ac:spMk id="4" creationId="{97A0660E-3775-4014-C1AE-19B6405385F6}"/>
+          </ac:spMkLst>
+        </pc:spChg>
+        <pc:graphicFrameChg chg="mod modGraphic">
+          <ac:chgData name="Krishna Kant Dubey" userId="cd28fa1e1902c48d" providerId="LiveId" clId="{BE480D1D-EC04-40B8-B333-3E94AD0F077D}" dt="2025-08-11T10:51:49.089" v="867"/>
+          <ac:graphicFrameMkLst>
+            <pc:docMk/>
+            <pc:sldMk cId="2591591968" sldId="271"/>
+            <ac:graphicFrameMk id="5" creationId="{A2D7F6CB-F95A-67BF-A217-06E94DB7B035}"/>
+          </ac:graphicFrameMkLst>
+        </pc:graphicFrameChg>
+      </pc:sldChg>
+      <pc:sldChg chg="delSp modSp add mod chgLayout">
+        <pc:chgData name="Krishna Kant Dubey" userId="cd28fa1e1902c48d" providerId="LiveId" clId="{BE480D1D-EC04-40B8-B333-3E94AD0F077D}" dt="2025-08-11T10:56:31.797" v="908" actId="207"/>
+        <pc:sldMkLst>
+          <pc:docMk/>
+          <pc:sldMk cId="14070359" sldId="272"/>
+        </pc:sldMkLst>
+        <pc:spChg chg="mod ord">
+          <ac:chgData name="Krishna Kant Dubey" userId="cd28fa1e1902c48d" providerId="LiveId" clId="{BE480D1D-EC04-40B8-B333-3E94AD0F077D}" dt="2025-08-11T10:56:31.797" v="908" actId="207"/>
+          <ac:spMkLst>
+            <pc:docMk/>
+            <pc:sldMk cId="14070359" sldId="272"/>
+            <ac:spMk id="4" creationId="{0BB65271-CEB7-393A-7C49-416B276B4C29}"/>
+          </ac:spMkLst>
+        </pc:spChg>
+        <pc:spChg chg="mod ord">
+          <ac:chgData name="Krishna Kant Dubey" userId="cd28fa1e1902c48d" providerId="LiveId" clId="{BE480D1D-EC04-40B8-B333-3E94AD0F077D}" dt="2025-08-11T10:54:23.612" v="881" actId="700"/>
+          <ac:spMkLst>
+            <pc:docMk/>
+            <pc:sldMk cId="14070359" sldId="272"/>
+            <ac:spMk id="12" creationId="{14076912-AE50-4510-842F-EDE046C9C57E}"/>
+          </ac:spMkLst>
+        </pc:spChg>
+        <pc:graphicFrameChg chg="del">
+          <ac:chgData name="Krishna Kant Dubey" userId="cd28fa1e1902c48d" providerId="LiveId" clId="{BE480D1D-EC04-40B8-B333-3E94AD0F077D}" dt="2025-08-11T10:53:23.813" v="871" actId="478"/>
+          <ac:graphicFrameMkLst>
+            <pc:docMk/>
+            <pc:sldMk cId="14070359" sldId="272"/>
+            <ac:graphicFrameMk id="5" creationId="{0D2CD5FD-F426-B64C-388F-1311A10AB265}"/>
+          </ac:graphicFrameMkLst>
+        </pc:graphicFrameChg>
+      </pc:sldChg>
+      <pc:sldChg chg="add">
+        <pc:chgData name="Krishna Kant Dubey" userId="cd28fa1e1902c48d" providerId="LiveId" clId="{BE480D1D-EC04-40B8-B333-3E94AD0F077D}" dt="2025-08-11T10:53:05.242" v="869" actId="2890"/>
+        <pc:sldMkLst>
+          <pc:docMk/>
+          <pc:sldMk cId="3748198164" sldId="273"/>
+        </pc:sldMkLst>
+      </pc:sldChg>
+      <pc:sldChg chg="delSp modSp add mod">
+        <pc:chgData name="Krishna Kant Dubey" userId="cd28fa1e1902c48d" providerId="LiveId" clId="{BE480D1D-EC04-40B8-B333-3E94AD0F077D}" dt="2025-08-11T10:57:33.995" v="919" actId="207"/>
+        <pc:sldMkLst>
+          <pc:docMk/>
+          <pc:sldMk cId="862950040" sldId="274"/>
+        </pc:sldMkLst>
+        <pc:spChg chg="mod">
+          <ac:chgData name="Krishna Kant Dubey" userId="cd28fa1e1902c48d" providerId="LiveId" clId="{BE480D1D-EC04-40B8-B333-3E94AD0F077D}" dt="2025-08-11T10:57:33.995" v="919" actId="207"/>
+          <ac:spMkLst>
+            <pc:docMk/>
+            <pc:sldMk cId="862950040" sldId="274"/>
+            <ac:spMk id="4" creationId="{B33CE410-BCBB-EAC6-ED35-EAE96B8985C1}"/>
+          </ac:spMkLst>
+        </pc:spChg>
+        <pc:graphicFrameChg chg="del">
+          <ac:chgData name="Krishna Kant Dubey" userId="cd28fa1e1902c48d" providerId="LiveId" clId="{BE480D1D-EC04-40B8-B333-3E94AD0F077D}" dt="2025-08-11T10:56:43.557" v="910" actId="478"/>
+          <ac:graphicFrameMkLst>
+            <pc:docMk/>
+            <pc:sldMk cId="862950040" sldId="274"/>
+            <ac:graphicFrameMk id="5" creationId="{650198D3-0A06-8478-AC7F-7F1A343D6E34}"/>
+          </ac:graphicFrameMkLst>
+        </pc:graphicFrameChg>
+      </pc:sldChg>
+    </pc:docChg>
+  </pc:docChgLst>
+</pc:chgInfo>
+</file>
+
 <file path=ppt/notesMasters/notesMaster1.xml><?xml version="1.0" encoding="utf-8"?>
 <p:notesMaster xmlns:a="http://schemas.openxmlformats.org/drawingml/2006/main" xmlns:r="http://schemas.openxmlformats.org/officeDocument/2006/relationships" xmlns:p="http://schemas.openxmlformats.org/presentationml/2006/main">
   <p:cSld>
@@ -207,7 +516,7 @@
           <a:p>
             <a:fld id="{771BC1E5-8BD3-45A8-A8D4-BE6B8D3F526F}" type="datetimeFigureOut">
               <a:rPr lang="en-IN" smtClean="0"/>
-              <a:t>28-07-2025</a:t>
+              <a:t>11-08-2025</a:t>
             </a:fld>
             <a:endParaRPr lang="en-IN"/>
           </a:p>
@@ -624,7 +933,7 @@
           <a:p>
             <a:fld id="{8B8265E5-5E35-4F50-869B-ACC7CF337DF9}" type="datetimeFigureOut">
               <a:rPr lang="en-IN" smtClean="0"/>
-              <a:t>28-07-2025</a:t>
+              <a:t>11-08-2025</a:t>
             </a:fld>
             <a:endParaRPr lang="en-IN"/>
           </a:p>
@@ -824,7 +1133,7 @@
           <a:p>
             <a:fld id="{8B8265E5-5E35-4F50-869B-ACC7CF337DF9}" type="datetimeFigureOut">
               <a:rPr lang="en-IN" smtClean="0"/>
-              <a:t>28-07-2025</a:t>
+              <a:t>11-08-2025</a:t>
             </a:fld>
             <a:endParaRPr lang="en-IN"/>
           </a:p>
@@ -1034,7 +1343,7 @@
           <a:p>
             <a:fld id="{8B8265E5-5E35-4F50-869B-ACC7CF337DF9}" type="datetimeFigureOut">
               <a:rPr lang="en-IN" smtClean="0"/>
-              <a:t>28-07-2025</a:t>
+              <a:t>11-08-2025</a:t>
             </a:fld>
             <a:endParaRPr lang="en-IN"/>
           </a:p>
@@ -1234,7 +1543,7 @@
           <a:p>
             <a:fld id="{8B8265E5-5E35-4F50-869B-ACC7CF337DF9}" type="datetimeFigureOut">
               <a:rPr lang="en-IN" smtClean="0"/>
-              <a:t>28-07-2025</a:t>
+              <a:t>11-08-2025</a:t>
             </a:fld>
             <a:endParaRPr lang="en-IN"/>
           </a:p>
@@ -1510,7 +1819,7 @@
           <a:p>
             <a:fld id="{8B8265E5-5E35-4F50-869B-ACC7CF337DF9}" type="datetimeFigureOut">
               <a:rPr lang="en-IN" smtClean="0"/>
-              <a:t>28-07-2025</a:t>
+              <a:t>11-08-2025</a:t>
             </a:fld>
             <a:endParaRPr lang="en-IN"/>
           </a:p>
@@ -1778,7 +2087,7 @@
           <a:p>
             <a:fld id="{8B8265E5-5E35-4F50-869B-ACC7CF337DF9}" type="datetimeFigureOut">
               <a:rPr lang="en-IN" smtClean="0"/>
-              <a:t>28-07-2025</a:t>
+              <a:t>11-08-2025</a:t>
             </a:fld>
             <a:endParaRPr lang="en-IN"/>
           </a:p>
@@ -2193,7 +2502,7 @@
           <a:p>
             <a:fld id="{8B8265E5-5E35-4F50-869B-ACC7CF337DF9}" type="datetimeFigureOut">
               <a:rPr lang="en-IN" smtClean="0"/>
-              <a:t>28-07-2025</a:t>
+              <a:t>11-08-2025</a:t>
             </a:fld>
             <a:endParaRPr lang="en-IN"/>
           </a:p>
@@ -2335,7 +2644,7 @@
           <a:p>
             <a:fld id="{8B8265E5-5E35-4F50-869B-ACC7CF337DF9}" type="datetimeFigureOut">
               <a:rPr lang="en-IN" smtClean="0"/>
-              <a:t>28-07-2025</a:t>
+              <a:t>11-08-2025</a:t>
             </a:fld>
             <a:endParaRPr lang="en-IN"/>
           </a:p>
@@ -2448,7 +2757,7 @@
           <a:p>
             <a:fld id="{8B8265E5-5E35-4F50-869B-ACC7CF337DF9}" type="datetimeFigureOut">
               <a:rPr lang="en-IN" smtClean="0"/>
-              <a:t>28-07-2025</a:t>
+              <a:t>11-08-2025</a:t>
             </a:fld>
             <a:endParaRPr lang="en-IN"/>
           </a:p>
@@ -2761,7 +3070,7 @@
           <a:p>
             <a:fld id="{8B8265E5-5E35-4F50-869B-ACC7CF337DF9}" type="datetimeFigureOut">
               <a:rPr lang="en-IN" smtClean="0"/>
-              <a:t>28-07-2025</a:t>
+              <a:t>11-08-2025</a:t>
             </a:fld>
             <a:endParaRPr lang="en-IN"/>
           </a:p>
@@ -3050,7 +3359,7 @@
           <a:p>
             <a:fld id="{8B8265E5-5E35-4F50-869B-ACC7CF337DF9}" type="datetimeFigureOut">
               <a:rPr lang="en-IN" smtClean="0"/>
-              <a:t>28-07-2025</a:t>
+              <a:t>11-08-2025</a:t>
             </a:fld>
             <a:endParaRPr lang="en-IN"/>
           </a:p>
@@ -3293,7 +3602,7 @@
           <a:p>
             <a:fld id="{8B8265E5-5E35-4F50-869B-ACC7CF337DF9}" type="datetimeFigureOut">
               <a:rPr lang="en-IN" smtClean="0"/>
-              <a:t>28-07-2025</a:t>
+              <a:t>11-08-2025</a:t>
             </a:fld>
             <a:endParaRPr lang="en-IN"/>
           </a:p>
@@ -3842,6 +4151,41 @@
           </a:p>
         </p:txBody>
       </p:sp>
+      <p:pic>
+        <p:nvPicPr>
+          <p:cNvPr id="3" name="Content Placeholder 4">
+            <a:extLst>
+              <a:ext uri="{FF2B5EF4-FFF2-40B4-BE49-F238E27FC236}">
+                <a16:creationId xmlns:a16="http://schemas.microsoft.com/office/drawing/2014/main" id="{49D86A38-3EE8-3EE8-6AF2-C0DB66DB3443}"/>
+              </a:ext>
+            </a:extLst>
+          </p:cNvPr>
+          <p:cNvPicPr>
+            <a:picLocks noGrp="1" noChangeAspect="1"/>
+          </p:cNvPicPr>
+          <p:nvPr/>
+        </p:nvPicPr>
+        <p:blipFill>
+          <a:blip r:embed="rId4">
+            <a:extLst>
+              <a:ext uri="{28A0092B-C50C-407E-A947-70E740481C1C}">
+                <a14:useLocalDpi xmlns:a14="http://schemas.microsoft.com/office/drawing/2010/main" val="0"/>
+              </a:ext>
+            </a:extLst>
+          </a:blip>
+          <a:srcRect/>
+          <a:stretch/>
+        </p:blipFill>
+        <p:spPr>
+          <a:xfrm>
+            <a:off x="-3047" y="0"/>
+            <a:ext cx="12198095" cy="6858000"/>
+          </a:xfrm>
+          <a:prstGeom prst="rect">
+            <a:avLst/>
+          </a:prstGeom>
+        </p:spPr>
+      </p:pic>
     </p:spTree>
     <p:extLst>
       <p:ext uri="{BB962C8B-B14F-4D97-AF65-F5344CB8AC3E}">
@@ -3863,7 +4207,7 @@
         <p:cNvPr id="1" name="">
           <a:extLst>
             <a:ext uri="{FF2B5EF4-FFF2-40B4-BE49-F238E27FC236}">
-              <a16:creationId xmlns:a16="http://schemas.microsoft.com/office/drawing/2014/main" id="{BF4FBA5A-6499-8A35-6086-5B35D38E057E}"/>
+              <a16:creationId xmlns:a16="http://schemas.microsoft.com/office/drawing/2014/main" id="{FD45DBB8-68AD-256B-4820-45DB3C99223B}"/>
             </a:ext>
           </a:extLst>
         </p:cNvPr>
@@ -3883,7 +4227,7 @@
           <p:cNvPr id="9" name="Picture 8">
             <a:extLst>
               <a:ext uri="{FF2B5EF4-FFF2-40B4-BE49-F238E27FC236}">
-                <a16:creationId xmlns:a16="http://schemas.microsoft.com/office/drawing/2014/main" id="{73FF0F37-FC9B-A15F-415E-0129E11385F5}"/>
+                <a16:creationId xmlns:a16="http://schemas.microsoft.com/office/drawing/2014/main" id="{7D4B28B5-BC79-46B7-0782-8183BE9449C2}"/>
               </a:ext>
             </a:extLst>
           </p:cNvPr>
@@ -3906,7 +4250,7 @@
         </p:blipFill>
         <p:spPr>
           <a:xfrm>
-            <a:off x="0" y="0"/>
+            <a:off x="0" y="4707"/>
             <a:ext cx="12192000" cy="6853293"/>
           </a:xfrm>
           <a:prstGeom prst="rect">
@@ -3919,7 +4263,7 @@
           <p:cNvPr id="12" name="Title 11">
             <a:extLst>
               <a:ext uri="{FF2B5EF4-FFF2-40B4-BE49-F238E27FC236}">
-                <a16:creationId xmlns:a16="http://schemas.microsoft.com/office/drawing/2014/main" id="{3437FF27-219F-D813-D37F-DDB2C5738BC8}"/>
+                <a16:creationId xmlns:a16="http://schemas.microsoft.com/office/drawing/2014/main" id="{BA7B6386-AAAA-278D-D455-25EABDBA3B1A}"/>
               </a:ext>
             </a:extLst>
           </p:cNvPr>
@@ -3932,8 +4276,8 @@
         </p:nvSpPr>
         <p:spPr>
           <a:xfrm>
-            <a:off x="838200" y="1363581"/>
-            <a:ext cx="10515600" cy="3076074"/>
+            <a:off x="838200" y="1090864"/>
+            <a:ext cx="10515600" cy="734762"/>
           </a:xfrm>
         </p:spPr>
         <p:txBody>
@@ -3942,39 +4286,60 @@
           </a:bodyPr>
           <a:lstStyle/>
           <a:p>
-            <a:r>
+            <a:br>
               <a:rPr lang="en-US" b="1" dirty="0">
                 <a:solidFill>
                   <a:srgbClr val="C00000"/>
-                </a:solidFill>
-              </a:rPr>
-              <a:t>Deep Learning</a:t>
-            </a:r>
-            <a:br>
-              <a:rPr lang="en-IN" dirty="0">
-                <a:solidFill>
-                  <a:srgbClr val="002060"/>
                 </a:solidFill>
               </a:rPr>
             </a:br>
             <a:br>
-              <a:rPr lang="en-IN" dirty="0">
-                <a:solidFill>
-                  <a:srgbClr val="002060"/>
+              <a:rPr lang="en-US" b="1" dirty="0">
+                <a:solidFill>
+                  <a:srgbClr val="C00000"/>
                 </a:solidFill>
               </a:rPr>
             </a:br>
             <a:br>
-              <a:rPr lang="en-US" dirty="0">
-                <a:solidFill>
-                  <a:srgbClr val="002060"/>
+              <a:rPr lang="en-US" b="1" dirty="0">
+                <a:solidFill>
+                  <a:srgbClr val="C00000"/>
                 </a:solidFill>
               </a:rPr>
             </a:br>
             <a:br>
-              <a:rPr lang="en-US" dirty="0">
-                <a:solidFill>
-                  <a:srgbClr val="002060"/>
+              <a:rPr lang="en-US" b="1" dirty="0">
+                <a:solidFill>
+                  <a:srgbClr val="C00000"/>
+                </a:solidFill>
+              </a:rPr>
+            </a:br>
+            <a:r>
+              <a:rPr lang="en-US" b="1" dirty="0">
+                <a:solidFill>
+                  <a:srgbClr val="C00000"/>
+                </a:solidFill>
+              </a:rPr>
+              <a:t>Types of Data in Statistical Analysis</a:t>
+            </a:r>
+            <a:br>
+              <a:rPr lang="en-US" b="1" dirty="0">
+                <a:solidFill>
+                  <a:srgbClr val="C00000"/>
+                </a:solidFill>
+              </a:rPr>
+            </a:br>
+            <a:br>
+              <a:rPr lang="en-US" b="1" dirty="0">
+                <a:solidFill>
+                  <a:srgbClr val="C00000"/>
+                </a:solidFill>
+              </a:rPr>
+            </a:br>
+            <a:br>
+              <a:rPr lang="en-US" b="1" dirty="0">
+                <a:solidFill>
+                  <a:srgbClr val="C00000"/>
                 </a:solidFill>
               </a:rPr>
             </a:br>
@@ -3998,7 +4363,7 @@
           <p:cNvPr id="4" name="Content Placeholder 3">
             <a:extLst>
               <a:ext uri="{FF2B5EF4-FFF2-40B4-BE49-F238E27FC236}">
-                <a16:creationId xmlns:a16="http://schemas.microsoft.com/office/drawing/2014/main" id="{B93C4DBF-5000-13CE-0F3B-163064CCB4C4}"/>
+                <a16:creationId xmlns:a16="http://schemas.microsoft.com/office/drawing/2014/main" id="{8BBBF571-BFD5-6FA3-B842-5E041A3DD4F4}"/>
               </a:ext>
             </a:extLst>
           </p:cNvPr>
@@ -4009,24 +4374,318 @@
             <p:ph idx="1"/>
           </p:nvPr>
         </p:nvSpPr>
-        <p:spPr>
-          <a:xfrm>
-            <a:off x="838200" y="2261937"/>
-            <a:ext cx="10515600" cy="3915026"/>
-          </a:xfrm>
-        </p:spPr>
+        <p:spPr/>
         <p:txBody>
           <a:bodyPr/>
           <a:lstStyle/>
           <a:p>
-            <a:endParaRPr lang="en-IN" dirty="0"/>
+            <a:pPr marL="0" indent="0">
+              <a:buNone/>
+            </a:pPr>
+            <a:r>
+              <a:rPr lang="en-IN" b="1" dirty="0">
+                <a:solidFill>
+                  <a:srgbClr val="FF0000"/>
+                </a:solidFill>
+              </a:rPr>
+              <a:t>Categorical Data (Qualitative)</a:t>
+            </a:r>
+            <a:endParaRPr lang="en-IN" dirty="0">
+              <a:solidFill>
+                <a:srgbClr val="FF0000"/>
+              </a:solidFill>
+            </a:endParaRPr>
           </a:p>
         </p:txBody>
       </p:sp>
+      <p:graphicFrame>
+        <p:nvGraphicFramePr>
+          <p:cNvPr id="5" name="Table 4">
+            <a:extLst>
+              <a:ext uri="{FF2B5EF4-FFF2-40B4-BE49-F238E27FC236}">
+                <a16:creationId xmlns:a16="http://schemas.microsoft.com/office/drawing/2014/main" id="{8AA434DB-1CCC-39C4-413D-D2C4C381FF6B}"/>
+              </a:ext>
+            </a:extLst>
+          </p:cNvPr>
+          <p:cNvGraphicFramePr>
+            <a:graphicFrameLocks noGrp="1"/>
+          </p:cNvGraphicFramePr>
+          <p:nvPr/>
+        </p:nvGraphicFramePr>
+        <p:xfrm>
+          <a:off x="838200" y="2552700"/>
+          <a:ext cx="9155660" cy="2021840"/>
+        </p:xfrm>
+        <a:graphic>
+          <a:graphicData uri="http://schemas.openxmlformats.org/drawingml/2006/table">
+            <a:tbl>
+              <a:tblPr firstRow="1" bandRow="1">
+                <a:tableStyleId>{793D81CF-94F2-401A-BA57-92F5A7B2D0C5}</a:tableStyleId>
+              </a:tblPr>
+              <a:tblGrid>
+                <a:gridCol w="1470285">
+                  <a:extLst>
+                    <a:ext uri="{9D8B030D-6E8A-4147-A177-3AD203B41FA5}">
+                      <a16:colId xmlns:a16="http://schemas.microsoft.com/office/drawing/2014/main" val="1214971980"/>
+                    </a:ext>
+                  </a:extLst>
+                </a:gridCol>
+                <a:gridCol w="2653259">
+                  <a:extLst>
+                    <a:ext uri="{9D8B030D-6E8A-4147-A177-3AD203B41FA5}">
+                      <a16:colId xmlns:a16="http://schemas.microsoft.com/office/drawing/2014/main" val="3370140682"/>
+                    </a:ext>
+                  </a:extLst>
+                </a:gridCol>
+                <a:gridCol w="2743201">
+                  <a:extLst>
+                    <a:ext uri="{9D8B030D-6E8A-4147-A177-3AD203B41FA5}">
+                      <a16:colId xmlns:a16="http://schemas.microsoft.com/office/drawing/2014/main" val="3588893050"/>
+                    </a:ext>
+                  </a:extLst>
+                </a:gridCol>
+                <a:gridCol w="2288915">
+                  <a:extLst>
+                    <a:ext uri="{9D8B030D-6E8A-4147-A177-3AD203B41FA5}">
+                      <a16:colId xmlns:a16="http://schemas.microsoft.com/office/drawing/2014/main" val="3281919228"/>
+                    </a:ext>
+                  </a:extLst>
+                </a:gridCol>
+              </a:tblGrid>
+              <a:tr h="370840">
+                <a:tc>
+                  <a:txBody>
+                    <a:bodyPr/>
+                    <a:lstStyle/>
+                    <a:p>
+                      <a:r>
+                        <a:rPr lang="en-IN" dirty="0"/>
+                        <a:t>Type</a:t>
+                      </a:r>
+                    </a:p>
+                  </a:txBody>
+                  <a:tcPr/>
+                </a:tc>
+                <a:tc>
+                  <a:txBody>
+                    <a:bodyPr/>
+                    <a:lstStyle/>
+                    <a:p>
+                      <a:r>
+                        <a:rPr lang="en-IN" dirty="0"/>
+                        <a:t>Description</a:t>
+                      </a:r>
+                    </a:p>
+                  </a:txBody>
+                  <a:tcPr/>
+                </a:tc>
+                <a:tc>
+                  <a:txBody>
+                    <a:bodyPr/>
+                    <a:lstStyle/>
+                    <a:p>
+                      <a:r>
+                        <a:rPr lang="en-IN" dirty="0"/>
+                        <a:t>Examples</a:t>
+                      </a:r>
+                    </a:p>
+                  </a:txBody>
+                  <a:tcPr/>
+                </a:tc>
+                <a:tc>
+                  <a:txBody>
+                    <a:bodyPr/>
+                    <a:lstStyle/>
+                    <a:p>
+                      <a:r>
+                        <a:rPr lang="en-IN" dirty="0"/>
+                        <a:t>Typical Operations</a:t>
+                      </a:r>
+                    </a:p>
+                  </a:txBody>
+                  <a:tcPr/>
+                </a:tc>
+                <a:extLst>
+                  <a:ext uri="{0D108BD9-81ED-4DB2-BD59-A6C34878D82A}">
+                    <a16:rowId xmlns:a16="http://schemas.microsoft.com/office/drawing/2014/main" val="747301371"/>
+                  </a:ext>
+                </a:extLst>
+              </a:tr>
+              <a:tr h="370840">
+                <a:tc>
+                  <a:txBody>
+                    <a:bodyPr/>
+                    <a:lstStyle/>
+                    <a:p>
+                      <a:r>
+                        <a:rPr lang="en-IN" dirty="0"/>
+                        <a:t>Nominal</a:t>
+                      </a:r>
+                    </a:p>
+                  </a:txBody>
+                  <a:tcPr/>
+                </a:tc>
+                <a:tc>
+                  <a:txBody>
+                    <a:bodyPr/>
+                    <a:lstStyle/>
+                    <a:p>
+                      <a:r>
+                        <a:rPr lang="en-IN" dirty="0"/>
+                        <a:t>Categories with no order</a:t>
+                      </a:r>
+                    </a:p>
+                  </a:txBody>
+                  <a:tcPr/>
+                </a:tc>
+                <a:tc>
+                  <a:txBody>
+                    <a:bodyPr/>
+                    <a:lstStyle/>
+                    <a:p>
+                      <a:r>
+                        <a:rPr lang="en-US" dirty="0"/>
+                        <a:t>Gender, country, device type</a:t>
+                      </a:r>
+                      <a:endParaRPr lang="en-IN" dirty="0"/>
+                    </a:p>
+                  </a:txBody>
+                  <a:tcPr/>
+                </a:tc>
+                <a:tc>
+                  <a:txBody>
+                    <a:bodyPr/>
+                    <a:lstStyle/>
+                    <a:p>
+                      <a:r>
+                        <a:rPr lang="en-IN" dirty="0"/>
+                        <a:t>Mode, frequency</a:t>
+                      </a:r>
+                    </a:p>
+                  </a:txBody>
+                  <a:tcPr/>
+                </a:tc>
+                <a:extLst>
+                  <a:ext uri="{0D108BD9-81ED-4DB2-BD59-A6C34878D82A}">
+                    <a16:rowId xmlns:a16="http://schemas.microsoft.com/office/drawing/2014/main" val="3835632776"/>
+                  </a:ext>
+                </a:extLst>
+              </a:tr>
+              <a:tr h="370840">
+                <a:tc>
+                  <a:txBody>
+                    <a:bodyPr/>
+                    <a:lstStyle/>
+                    <a:p>
+                      <a:r>
+                        <a:rPr lang="en-IN" dirty="0"/>
+                        <a:t>Ordinal</a:t>
+                      </a:r>
+                    </a:p>
+                  </a:txBody>
+                  <a:tcPr/>
+                </a:tc>
+                <a:tc>
+                  <a:txBody>
+                    <a:bodyPr/>
+                    <a:lstStyle/>
+                    <a:p>
+                      <a:r>
+                        <a:rPr lang="en-US" dirty="0"/>
+                        <a:t>Categories with a meaningful order</a:t>
+                      </a:r>
+                      <a:endParaRPr lang="en-IN" dirty="0"/>
+                    </a:p>
+                  </a:txBody>
+                  <a:tcPr/>
+                </a:tc>
+                <a:tc>
+                  <a:txBody>
+                    <a:bodyPr/>
+                    <a:lstStyle/>
+                    <a:p>
+                      <a:r>
+                        <a:rPr lang="en-IN" dirty="0"/>
+                        <a:t>Education level, satisfaction rating</a:t>
+                      </a:r>
+                    </a:p>
+                  </a:txBody>
+                  <a:tcPr/>
+                </a:tc>
+                <a:tc>
+                  <a:txBody>
+                    <a:bodyPr/>
+                    <a:lstStyle/>
+                    <a:p>
+                      <a:r>
+                        <a:rPr lang="en-IN" dirty="0"/>
+                        <a:t>Median, rank correlation</a:t>
+                      </a:r>
+                    </a:p>
+                  </a:txBody>
+                  <a:tcPr/>
+                </a:tc>
+                <a:extLst>
+                  <a:ext uri="{0D108BD9-81ED-4DB2-BD59-A6C34878D82A}">
+                    <a16:rowId xmlns:a16="http://schemas.microsoft.com/office/drawing/2014/main" val="1182607802"/>
+                  </a:ext>
+                </a:extLst>
+              </a:tr>
+              <a:tr h="370840">
+                <a:tc>
+                  <a:txBody>
+                    <a:bodyPr/>
+                    <a:lstStyle/>
+                    <a:p>
+                      <a:endParaRPr lang="en-IN"/>
+                    </a:p>
+                  </a:txBody>
+                  <a:tcPr/>
+                </a:tc>
+                <a:tc>
+                  <a:txBody>
+                    <a:bodyPr/>
+                    <a:lstStyle/>
+                    <a:p>
+                      <a:endParaRPr lang="en-IN"/>
+                    </a:p>
+                  </a:txBody>
+                  <a:tcPr/>
+                </a:tc>
+                <a:tc>
+                  <a:txBody>
+                    <a:bodyPr/>
+                    <a:lstStyle/>
+                    <a:p>
+                      <a:endParaRPr lang="en-IN"/>
+                    </a:p>
+                  </a:txBody>
+                  <a:tcPr/>
+                </a:tc>
+                <a:tc>
+                  <a:txBody>
+                    <a:bodyPr/>
+                    <a:lstStyle/>
+                    <a:p>
+                      <a:endParaRPr lang="en-IN" dirty="0"/>
+                    </a:p>
+                  </a:txBody>
+                  <a:tcPr/>
+                </a:tc>
+                <a:extLst>
+                  <a:ext uri="{0D108BD9-81ED-4DB2-BD59-A6C34878D82A}">
+                    <a16:rowId xmlns:a16="http://schemas.microsoft.com/office/drawing/2014/main" val="1371844946"/>
+                  </a:ext>
+                </a:extLst>
+              </a:tr>
+            </a:tbl>
+          </a:graphicData>
+        </a:graphic>
+      </p:graphicFrame>
     </p:spTree>
     <p:extLst>
       <p:ext uri="{BB962C8B-B14F-4D97-AF65-F5344CB8AC3E}">
-        <p14:creationId xmlns:p14="http://schemas.microsoft.com/office/powerpoint/2010/main" val="1195287565"/>
+        <p14:creationId xmlns:p14="http://schemas.microsoft.com/office/powerpoint/2010/main" val="3748198164"/>
       </p:ext>
     </p:extLst>
   </p:cSld>
@@ -4037,6 +4696,252 @@
 </file>
 
 <file path=ppt/slides/slide11.xml><?xml version="1.0" encoding="utf-8"?>
+<p:sld xmlns:a="http://schemas.openxmlformats.org/drawingml/2006/main" xmlns:r="http://schemas.openxmlformats.org/officeDocument/2006/relationships" xmlns:p="http://schemas.openxmlformats.org/presentationml/2006/main">
+  <p:cSld>
+    <p:spTree>
+      <p:nvGrpSpPr>
+        <p:cNvPr id="1" name="">
+          <a:extLst>
+            <a:ext uri="{FF2B5EF4-FFF2-40B4-BE49-F238E27FC236}">
+              <a16:creationId xmlns:a16="http://schemas.microsoft.com/office/drawing/2014/main" id="{30D30BFE-943F-0C51-9CD1-AACC07275350}"/>
+            </a:ext>
+          </a:extLst>
+        </p:cNvPr>
+        <p:cNvGrpSpPr/>
+        <p:nvPr/>
+      </p:nvGrpSpPr>
+      <p:grpSpPr>
+        <a:xfrm>
+          <a:off x="0" y="0"/>
+          <a:ext cx="0" cy="0"/>
+          <a:chOff x="0" y="0"/>
+          <a:chExt cx="0" cy="0"/>
+        </a:xfrm>
+      </p:grpSpPr>
+      <p:pic>
+        <p:nvPicPr>
+          <p:cNvPr id="9" name="Picture 8">
+            <a:extLst>
+              <a:ext uri="{FF2B5EF4-FFF2-40B4-BE49-F238E27FC236}">
+                <a16:creationId xmlns:a16="http://schemas.microsoft.com/office/drawing/2014/main" id="{169225DC-A1D8-2E66-CE27-CD8FABCE4AF0}"/>
+              </a:ext>
+            </a:extLst>
+          </p:cNvPr>
+          <p:cNvPicPr>
+            <a:picLocks noChangeAspect="1"/>
+          </p:cNvPicPr>
+          <p:nvPr/>
+        </p:nvPicPr>
+        <p:blipFill>
+          <a:blip r:embed="rId2">
+            <a:extLst>
+              <a:ext uri="{28A0092B-C50C-407E-A947-70E740481C1C}">
+                <a14:useLocalDpi xmlns:a14="http://schemas.microsoft.com/office/drawing/2010/main" val="0"/>
+              </a:ext>
+            </a:extLst>
+          </a:blip>
+          <a:stretch>
+            <a:fillRect/>
+          </a:stretch>
+        </p:blipFill>
+        <p:spPr>
+          <a:xfrm>
+            <a:off x="0" y="4707"/>
+            <a:ext cx="12192000" cy="6853293"/>
+          </a:xfrm>
+          <a:prstGeom prst="rect">
+            <a:avLst/>
+          </a:prstGeom>
+        </p:spPr>
+      </p:pic>
+      <p:sp>
+        <p:nvSpPr>
+          <p:cNvPr id="12" name="Title 11">
+            <a:extLst>
+              <a:ext uri="{FF2B5EF4-FFF2-40B4-BE49-F238E27FC236}">
+                <a16:creationId xmlns:a16="http://schemas.microsoft.com/office/drawing/2014/main" id="{4B774534-BC53-6457-92DE-77C961A11E76}"/>
+              </a:ext>
+            </a:extLst>
+          </p:cNvPr>
+          <p:cNvSpPr>
+            <a:spLocks noGrp="1"/>
+          </p:cNvSpPr>
+          <p:nvPr>
+            <p:ph type="title"/>
+          </p:nvPr>
+        </p:nvSpPr>
+        <p:spPr>
+          <a:xfrm>
+            <a:off x="838200" y="1090864"/>
+            <a:ext cx="10515600" cy="734762"/>
+          </a:xfrm>
+        </p:spPr>
+        <p:txBody>
+          <a:bodyPr>
+            <a:normAutofit fontScale="90000"/>
+          </a:bodyPr>
+          <a:lstStyle/>
+          <a:p>
+            <a:br>
+              <a:rPr lang="en-US" b="1" dirty="0">
+                <a:solidFill>
+                  <a:srgbClr val="C00000"/>
+                </a:solidFill>
+              </a:rPr>
+            </a:br>
+            <a:br>
+              <a:rPr lang="en-US" b="1" dirty="0">
+                <a:solidFill>
+                  <a:srgbClr val="C00000"/>
+                </a:solidFill>
+              </a:rPr>
+            </a:br>
+            <a:br>
+              <a:rPr lang="en-US" b="1" dirty="0">
+                <a:solidFill>
+                  <a:srgbClr val="C00000"/>
+                </a:solidFill>
+              </a:rPr>
+            </a:br>
+            <a:br>
+              <a:rPr lang="en-US" b="1" dirty="0">
+                <a:solidFill>
+                  <a:srgbClr val="C00000"/>
+                </a:solidFill>
+              </a:rPr>
+            </a:br>
+            <a:r>
+              <a:rPr lang="en-US" b="1" dirty="0">
+                <a:solidFill>
+                  <a:srgbClr val="C00000"/>
+                </a:solidFill>
+              </a:rPr>
+              <a:t>Types of Data in Statistical Analysis</a:t>
+            </a:r>
+            <a:br>
+              <a:rPr lang="en-US" b="1" dirty="0">
+                <a:solidFill>
+                  <a:srgbClr val="C00000"/>
+                </a:solidFill>
+              </a:rPr>
+            </a:br>
+            <a:br>
+              <a:rPr lang="en-US" b="1" dirty="0">
+                <a:solidFill>
+                  <a:srgbClr val="C00000"/>
+                </a:solidFill>
+              </a:rPr>
+            </a:br>
+            <a:br>
+              <a:rPr lang="en-US" b="1" dirty="0">
+                <a:solidFill>
+                  <a:srgbClr val="C00000"/>
+                </a:solidFill>
+              </a:rPr>
+            </a:br>
+            <a:br>
+              <a:rPr lang="en-US" dirty="0">
+                <a:solidFill>
+                  <a:srgbClr val="002060"/>
+                </a:solidFill>
+              </a:rPr>
+            </a:br>
+            <a:endParaRPr lang="en-IN" b="1" dirty="0">
+              <a:solidFill>
+                <a:srgbClr val="FF0000"/>
+              </a:solidFill>
+            </a:endParaRPr>
+          </a:p>
+        </p:txBody>
+      </p:sp>
+      <p:sp>
+        <p:nvSpPr>
+          <p:cNvPr id="4" name="Content Placeholder 3">
+            <a:extLst>
+              <a:ext uri="{FF2B5EF4-FFF2-40B4-BE49-F238E27FC236}">
+                <a16:creationId xmlns:a16="http://schemas.microsoft.com/office/drawing/2014/main" id="{B33CE410-BCBB-EAC6-ED35-EAE96B8985C1}"/>
+              </a:ext>
+            </a:extLst>
+          </p:cNvPr>
+          <p:cNvSpPr>
+            <a:spLocks noGrp="1"/>
+          </p:cNvSpPr>
+          <p:nvPr>
+            <p:ph idx="1"/>
+          </p:nvPr>
+        </p:nvSpPr>
+        <p:spPr/>
+        <p:txBody>
+          <a:bodyPr/>
+          <a:lstStyle/>
+          <a:p>
+            <a:pPr marL="0" indent="0">
+              <a:buNone/>
+            </a:pPr>
+            <a:r>
+              <a:rPr lang="en-IN" b="1" dirty="0">
+                <a:solidFill>
+                  <a:srgbClr val="FF0000"/>
+                </a:solidFill>
+              </a:rPr>
+              <a:t>Text Data (Unstructured)</a:t>
+            </a:r>
+          </a:p>
+          <a:p>
+            <a:pPr marL="0" indent="0">
+              <a:buNone/>
+            </a:pPr>
+            <a:r>
+              <a:rPr lang="en-US" dirty="0">
+                <a:solidFill>
+                  <a:srgbClr val="002060"/>
+                </a:solidFill>
+              </a:rPr>
+              <a:t>Free-form strings used in NLP and sentiment analysis</a:t>
+            </a:r>
+          </a:p>
+          <a:p>
+            <a:pPr marL="0" indent="0">
+              <a:buNone/>
+            </a:pPr>
+            <a:r>
+              <a:rPr lang="en-US" dirty="0">
+                <a:solidFill>
+                  <a:srgbClr val="00B050"/>
+                </a:solidFill>
+              </a:rPr>
+              <a:t>Operations: </a:t>
+            </a:r>
+            <a:r>
+              <a:rPr lang="en-US" dirty="0">
+                <a:solidFill>
+                  <a:srgbClr val="002060"/>
+                </a:solidFill>
+              </a:rPr>
+              <a:t>Tokenization, vectorization, topic modeling</a:t>
+            </a:r>
+            <a:endParaRPr lang="en-IN" dirty="0">
+              <a:solidFill>
+                <a:srgbClr val="002060"/>
+              </a:solidFill>
+            </a:endParaRPr>
+          </a:p>
+        </p:txBody>
+      </p:sp>
+    </p:spTree>
+    <p:extLst>
+      <p:ext uri="{BB962C8B-B14F-4D97-AF65-F5344CB8AC3E}">
+        <p14:creationId xmlns:p14="http://schemas.microsoft.com/office/powerpoint/2010/main" val="862950040"/>
+      </p:ext>
+    </p:extLst>
+  </p:cSld>
+  <p:clrMapOvr>
+    <a:masterClrMapping/>
+  </p:clrMapOvr>
+</p:sld>
+</file>
+
+<file path=ppt/slides/slide12.xml><?xml version="1.0" encoding="utf-8"?>
 <p:sld xmlns:a="http://schemas.openxmlformats.org/drawingml/2006/main" xmlns:r="http://schemas.openxmlformats.org/officeDocument/2006/relationships" xmlns:p="http://schemas.openxmlformats.org/presentationml/2006/main">
   <p:cSld>
     <p:spTree>
@@ -4232,18 +5137,13 @@
           <a:lstStyle/>
           <a:p>
             <a:r>
-              <a:rPr lang="en-US" sz="6000" b="1" dirty="0">
-                <a:solidFill>
-                  <a:srgbClr val="FF0000"/>
+              <a:rPr lang="en-IN" sz="6000" b="1" dirty="0">
+                <a:solidFill>
+                  <a:srgbClr val="C00000"/>
                 </a:solidFill>
               </a:rPr>
-              <a:t>Careers in AI &amp; Big Data Analytics</a:t>
-            </a:r>
-            <a:endParaRPr lang="en-IN" sz="6000" b="1" dirty="0">
-              <a:solidFill>
-                <a:srgbClr val="FF0000"/>
-              </a:solidFill>
-            </a:endParaRPr>
+              <a:t>Importing Data</a:t>
+            </a:r>
           </a:p>
         </p:txBody>
       </p:sp>
@@ -4388,23 +5288,38 @@
           <a:lstStyle/>
           <a:p>
             <a:r>
-              <a:rPr lang="en-US" dirty="0"/>
-              <a:t>Career map for roles in AI &amp; Big Data Analytics</a:t>
-            </a:r>
-          </a:p>
-          <a:p>
-            <a:r>
-              <a:rPr lang="en-US" dirty="0"/>
-              <a:t>Differences Supervised Learning, Unsupervised Learning and Deep Learning</a:t>
-            </a:r>
-            <a:r>
-              <a:rPr lang="en-IN" dirty="0">
+              <a:rPr lang="en-US" b="1" dirty="0">
                 <a:solidFill>
                   <a:srgbClr val="002060"/>
                 </a:solidFill>
               </a:rPr>
-              <a:t>“</a:t>
-            </a:r>
+              <a:t>Identify the type of data, volume of data, and variables required for the analysis</a:t>
+            </a:r>
+          </a:p>
+          <a:p>
+            <a:r>
+              <a:rPr lang="en-US" b="1" dirty="0">
+                <a:solidFill>
+                  <a:srgbClr val="002060"/>
+                </a:solidFill>
+              </a:rPr>
+              <a:t>Distinguish between different types of data such as numerical, categorical, etc.</a:t>
+            </a:r>
+          </a:p>
+          <a:p>
+            <a:r>
+              <a:rPr lang="en-US" b="1" dirty="0">
+                <a:solidFill>
+                  <a:srgbClr val="002060"/>
+                </a:solidFill>
+              </a:rPr>
+              <a:t>Identify common open and paid data sources</a:t>
+            </a:r>
+            <a:endParaRPr lang="en-IN" b="1" dirty="0">
+              <a:solidFill>
+                <a:srgbClr val="002060"/>
+              </a:solidFill>
+            </a:endParaRPr>
           </a:p>
         </p:txBody>
       </p:sp>
@@ -4499,7 +5414,7 @@
         <p:spPr>
           <a:xfrm>
             <a:off x="838200" y="1090863"/>
-            <a:ext cx="10515600" cy="1171073"/>
+            <a:ext cx="10515600" cy="917819"/>
           </a:xfrm>
         </p:spPr>
         <p:txBody>
@@ -4508,14 +5423,28 @@
           </a:bodyPr>
           <a:lstStyle/>
           <a:p>
-            <a:r>
+            <a:br>
               <a:rPr lang="en-US" b="1" dirty="0">
                 <a:solidFill>
                   <a:srgbClr val="C00000"/>
                 </a:solidFill>
               </a:rPr>
-              <a:t>Career map for roles in AI &amp; Big Data Analytics</a:t>
-            </a:r>
+            </a:br>
+            <a:r>
+              <a:rPr lang="en-US" b="1" dirty="0">
+                <a:solidFill>
+                  <a:srgbClr val="C00000"/>
+                </a:solidFill>
+              </a:rPr>
+              <a:t>Identify the Type of Data</a:t>
+            </a:r>
+            <a:br>
+              <a:rPr lang="en-US" b="1" dirty="0">
+                <a:solidFill>
+                  <a:srgbClr val="C00000"/>
+                </a:solidFill>
+              </a:rPr>
+            </a:br>
             <a:br>
               <a:rPr lang="en-US" dirty="0">
                 <a:solidFill>
@@ -4531,77 +5460,439 @@
           </a:p>
         </p:txBody>
       </p:sp>
-      <p:sp>
-        <p:nvSpPr>
-          <p:cNvPr id="4" name="Content Placeholder 3">
-            <a:extLst>
-              <a:ext uri="{FF2B5EF4-FFF2-40B4-BE49-F238E27FC236}">
-                <a16:creationId xmlns:a16="http://schemas.microsoft.com/office/drawing/2014/main" id="{578CAB42-7D2A-6EDC-C435-EECC86B0DFC6}"/>
-              </a:ext>
-            </a:extLst>
-          </p:cNvPr>
-          <p:cNvSpPr>
-            <a:spLocks noGrp="1"/>
-          </p:cNvSpPr>
+      <p:graphicFrame>
+        <p:nvGraphicFramePr>
+          <p:cNvPr id="2" name="Content Placeholder 1">
+            <a:extLst>
+              <a:ext uri="{FF2B5EF4-FFF2-40B4-BE49-F238E27FC236}">
+                <a16:creationId xmlns:a16="http://schemas.microsoft.com/office/drawing/2014/main" id="{4AB5ACB4-052C-48A1-A835-86F94E8DA62D}"/>
+              </a:ext>
+            </a:extLst>
+          </p:cNvPr>
+          <p:cNvGraphicFramePr>
+            <a:graphicFrameLocks noGrp="1"/>
+          </p:cNvGraphicFramePr>
           <p:nvPr>
             <p:ph idx="1"/>
-          </p:nvPr>
-        </p:nvSpPr>
-        <p:spPr>
-          <a:xfrm>
-            <a:off x="838200" y="2261937"/>
-            <a:ext cx="10515600" cy="3915026"/>
-          </a:xfrm>
-        </p:spPr>
-        <p:txBody>
-          <a:bodyPr/>
-          <a:lstStyle/>
-          <a:p>
-            <a:pPr marL="0" indent="0">
-              <a:buNone/>
-            </a:pPr>
-            <a:r>
-              <a:rPr lang="en-IN" b="1" dirty="0">
-                <a:solidFill>
-                  <a:srgbClr val="002060"/>
-                </a:solidFill>
-              </a:rPr>
-              <a:t>Data Analyst</a:t>
-            </a:r>
-          </a:p>
-          <a:p>
-            <a:r>
-              <a:rPr lang="en-IN" b="1" dirty="0"/>
-              <a:t>Responsibilities:</a:t>
-            </a:r>
-            <a:r>
-              <a:rPr lang="en-IN" dirty="0"/>
-              <a:t> Collects, processes, and </a:t>
-            </a:r>
-            <a:r>
-              <a:rPr lang="en-IN" dirty="0" err="1"/>
-              <a:t>analyzes</a:t>
-            </a:r>
-            <a:r>
-              <a:rPr lang="en-IN" dirty="0"/>
-              <a:t> large datasets to reveal trends, patterns, and actionable insights. Prepares reports for stakeholders and builds dashboards to visualize findings.</a:t>
-            </a:r>
-          </a:p>
-          <a:p>
-            <a:r>
-              <a:rPr lang="en-IN" b="1" dirty="0"/>
-              <a:t>Typical Tools:</a:t>
-            </a:r>
-            <a:r>
-              <a:rPr lang="en-IN" dirty="0"/>
-              <a:t> Excel, SQL, Tableau, Power BI, Python.</a:t>
-            </a:r>
-          </a:p>
-          <a:p>
-            <a:endParaRPr lang="en-IN" dirty="0"/>
-          </a:p>
-        </p:txBody>
-      </p:sp>
+            <p:extLst>
+              <p:ext uri="{D42A27DB-BD31-4B8C-83A1-F6EECF244321}">
+                <p14:modId xmlns:p14="http://schemas.microsoft.com/office/powerpoint/2010/main" val="911055944"/>
+              </p:ext>
+            </p:extLst>
+          </p:nvPr>
+        </p:nvGraphicFramePr>
+        <p:xfrm>
+          <a:off x="838200" y="1825625"/>
+          <a:ext cx="10515600" cy="2763520"/>
+        </p:xfrm>
+        <a:graphic>
+          <a:graphicData uri="http://schemas.openxmlformats.org/drawingml/2006/table">
+            <a:tbl>
+              <a:tblPr firstRow="1" bandRow="1">
+                <a:tableStyleId>{793D81CF-94F2-401A-BA57-92F5A7B2D0C5}</a:tableStyleId>
+              </a:tblPr>
+              <a:tblGrid>
+                <a:gridCol w="2628900">
+                  <a:extLst>
+                    <a:ext uri="{9D8B030D-6E8A-4147-A177-3AD203B41FA5}">
+                      <a16:colId xmlns:a16="http://schemas.microsoft.com/office/drawing/2014/main" val="2316696436"/>
+                    </a:ext>
+                  </a:extLst>
+                </a:gridCol>
+                <a:gridCol w="2628900">
+                  <a:extLst>
+                    <a:ext uri="{9D8B030D-6E8A-4147-A177-3AD203B41FA5}">
+                      <a16:colId xmlns:a16="http://schemas.microsoft.com/office/drawing/2014/main" val="856136943"/>
+                    </a:ext>
+                  </a:extLst>
+                </a:gridCol>
+                <a:gridCol w="2163580">
+                  <a:extLst>
+                    <a:ext uri="{9D8B030D-6E8A-4147-A177-3AD203B41FA5}">
+                      <a16:colId xmlns:a16="http://schemas.microsoft.com/office/drawing/2014/main" val="1279214044"/>
+                    </a:ext>
+                  </a:extLst>
+                </a:gridCol>
+                <a:gridCol w="3094220">
+                  <a:extLst>
+                    <a:ext uri="{9D8B030D-6E8A-4147-A177-3AD203B41FA5}">
+                      <a16:colId xmlns:a16="http://schemas.microsoft.com/office/drawing/2014/main" val="953505096"/>
+                    </a:ext>
+                  </a:extLst>
+                </a:gridCol>
+              </a:tblGrid>
+              <a:tr h="370840">
+                <a:tc>
+                  <a:txBody>
+                    <a:bodyPr/>
+                    <a:lstStyle/>
+                    <a:p>
+                      <a:r>
+                        <a:rPr lang="en-IN" dirty="0"/>
+                        <a:t>Data Type</a:t>
+                      </a:r>
+                    </a:p>
+                  </a:txBody>
+                  <a:tcPr/>
+                </a:tc>
+                <a:tc>
+                  <a:txBody>
+                    <a:bodyPr/>
+                    <a:lstStyle/>
+                    <a:p>
+                      <a:r>
+                        <a:rPr lang="en-IN" dirty="0"/>
+                        <a:t>Description</a:t>
+                      </a:r>
+                    </a:p>
+                  </a:txBody>
+                  <a:tcPr/>
+                </a:tc>
+                <a:tc>
+                  <a:txBody>
+                    <a:bodyPr/>
+                    <a:lstStyle/>
+                    <a:p>
+                      <a:r>
+                        <a:rPr lang="en-IN" dirty="0"/>
+                        <a:t>Examples</a:t>
+                      </a:r>
+                    </a:p>
+                  </a:txBody>
+                  <a:tcPr/>
+                </a:tc>
+                <a:tc>
+                  <a:txBody>
+                    <a:bodyPr/>
+                    <a:lstStyle/>
+                    <a:p>
+                      <a:r>
+                        <a:rPr lang="en-IN" dirty="0"/>
+                        <a:t>Recommended Tools</a:t>
+                      </a:r>
+                    </a:p>
+                  </a:txBody>
+                  <a:tcPr/>
+                </a:tc>
+                <a:extLst>
+                  <a:ext uri="{0D108BD9-81ED-4DB2-BD59-A6C34878D82A}">
+                    <a16:rowId xmlns:a16="http://schemas.microsoft.com/office/drawing/2014/main" val="1978324880"/>
+                  </a:ext>
+                </a:extLst>
+              </a:tr>
+              <a:tr h="370840">
+                <a:tc>
+                  <a:txBody>
+                    <a:bodyPr/>
+                    <a:lstStyle/>
+                    <a:p>
+                      <a:r>
+                        <a:rPr lang="en-IN" dirty="0"/>
+                        <a:t>Structured</a:t>
+                      </a:r>
+                    </a:p>
+                  </a:txBody>
+                  <a:tcPr/>
+                </a:tc>
+                <a:tc>
+                  <a:txBody>
+                    <a:bodyPr/>
+                    <a:lstStyle/>
+                    <a:p>
+                      <a:r>
+                        <a:rPr lang="en-IN" dirty="0"/>
+                        <a:t>Tabular, rows &amp; columns</a:t>
+                      </a:r>
+                    </a:p>
+                  </a:txBody>
+                  <a:tcPr/>
+                </a:tc>
+                <a:tc>
+                  <a:txBody>
+                    <a:bodyPr/>
+                    <a:lstStyle/>
+                    <a:p>
+                      <a:r>
+                        <a:rPr lang="en-IN" dirty="0"/>
+                        <a:t>SQL tables, CSV files</a:t>
+                      </a:r>
+                    </a:p>
+                  </a:txBody>
+                  <a:tcPr/>
+                </a:tc>
+                <a:tc>
+                  <a:txBody>
+                    <a:bodyPr/>
+                    <a:lstStyle/>
+                    <a:p>
+                      <a:r>
+                        <a:rPr lang="en-IN" dirty="0"/>
+                        <a:t>pandas, </a:t>
+                      </a:r>
+                      <a:r>
+                        <a:rPr lang="en-IN" dirty="0" err="1"/>
+                        <a:t>SQLAlchemy</a:t>
+                      </a:r>
+                      <a:endParaRPr lang="en-IN" dirty="0"/>
+                    </a:p>
+                  </a:txBody>
+                  <a:tcPr/>
+                </a:tc>
+                <a:extLst>
+                  <a:ext uri="{0D108BD9-81ED-4DB2-BD59-A6C34878D82A}">
+                    <a16:rowId xmlns:a16="http://schemas.microsoft.com/office/drawing/2014/main" val="3719656144"/>
+                  </a:ext>
+                </a:extLst>
+              </a:tr>
+              <a:tr h="370840">
+                <a:tc>
+                  <a:txBody>
+                    <a:bodyPr/>
+                    <a:lstStyle/>
+                    <a:p>
+                      <a:r>
+                        <a:rPr lang="en-IN" dirty="0"/>
+                        <a:t>Semi-Structured</a:t>
+                      </a:r>
+                    </a:p>
+                  </a:txBody>
+                  <a:tcPr/>
+                </a:tc>
+                <a:tc>
+                  <a:txBody>
+                    <a:bodyPr/>
+                    <a:lstStyle/>
+                    <a:p>
+                      <a:r>
+                        <a:rPr lang="en-IN" dirty="0"/>
+                        <a:t>Hierarchical or nested</a:t>
+                      </a:r>
+                    </a:p>
+                  </a:txBody>
+                  <a:tcPr/>
+                </a:tc>
+                <a:tc>
+                  <a:txBody>
+                    <a:bodyPr/>
+                    <a:lstStyle/>
+                    <a:p>
+                      <a:r>
+                        <a:rPr lang="en-IN" dirty="0"/>
+                        <a:t>JSON, XML, NoSQL docs</a:t>
+                      </a:r>
+                    </a:p>
+                  </a:txBody>
+                  <a:tcPr/>
+                </a:tc>
+                <a:tc>
+                  <a:txBody>
+                    <a:bodyPr/>
+                    <a:lstStyle/>
+                    <a:p>
+                      <a:r>
+                        <a:rPr lang="en-IN" dirty="0"/>
+                        <a:t>pandas, </a:t>
+                      </a:r>
+                      <a:r>
+                        <a:rPr lang="en-IN" dirty="0" err="1"/>
+                        <a:t>PyMongo</a:t>
+                      </a:r>
+                      <a:endParaRPr lang="en-IN" dirty="0"/>
+                    </a:p>
+                  </a:txBody>
+                  <a:tcPr/>
+                </a:tc>
+                <a:extLst>
+                  <a:ext uri="{0D108BD9-81ED-4DB2-BD59-A6C34878D82A}">
+                    <a16:rowId xmlns:a16="http://schemas.microsoft.com/office/drawing/2014/main" val="340425294"/>
+                  </a:ext>
+                </a:extLst>
+              </a:tr>
+              <a:tr h="370840">
+                <a:tc>
+                  <a:txBody>
+                    <a:bodyPr/>
+                    <a:lstStyle/>
+                    <a:p>
+                      <a:r>
+                        <a:rPr lang="en-IN" dirty="0"/>
+                        <a:t>Unstructured</a:t>
+                      </a:r>
+                    </a:p>
+                  </a:txBody>
+                  <a:tcPr/>
+                </a:tc>
+                <a:tc>
+                  <a:txBody>
+                    <a:bodyPr/>
+                    <a:lstStyle/>
+                    <a:p>
+                      <a:r>
+                        <a:rPr lang="en-IN" dirty="0"/>
+                        <a:t>Free-form, no schema</a:t>
+                      </a:r>
+                    </a:p>
+                  </a:txBody>
+                  <a:tcPr/>
+                </a:tc>
+                <a:tc>
+                  <a:txBody>
+                    <a:bodyPr/>
+                    <a:lstStyle/>
+                    <a:p>
+                      <a:r>
+                        <a:rPr lang="en-IN" dirty="0"/>
+                        <a:t>Text, images, logs</a:t>
+                      </a:r>
+                    </a:p>
+                  </a:txBody>
+                  <a:tcPr/>
+                </a:tc>
+                <a:tc>
+                  <a:txBody>
+                    <a:bodyPr/>
+                    <a:lstStyle/>
+                    <a:p>
+                      <a:r>
+                        <a:rPr lang="en-IN" dirty="0"/>
+                        <a:t>NLP libraries, OpenCV</a:t>
+                      </a:r>
+                    </a:p>
+                  </a:txBody>
+                  <a:tcPr/>
+                </a:tc>
+                <a:extLst>
+                  <a:ext uri="{0D108BD9-81ED-4DB2-BD59-A6C34878D82A}">
+                    <a16:rowId xmlns:a16="http://schemas.microsoft.com/office/drawing/2014/main" val="101143553"/>
+                  </a:ext>
+                </a:extLst>
+              </a:tr>
+              <a:tr h="370840">
+                <a:tc>
+                  <a:txBody>
+                    <a:bodyPr/>
+                    <a:lstStyle/>
+                    <a:p>
+                      <a:r>
+                        <a:rPr lang="en-IN" dirty="0"/>
+                        <a:t>Time Series</a:t>
+                      </a:r>
+                    </a:p>
+                  </a:txBody>
+                  <a:tcPr/>
+                </a:tc>
+                <a:tc>
+                  <a:txBody>
+                    <a:bodyPr/>
+                    <a:lstStyle/>
+                    <a:p>
+                      <a:r>
+                        <a:rPr lang="en-IN" dirty="0"/>
+                        <a:t>Indexed by time</a:t>
+                      </a:r>
+                    </a:p>
+                  </a:txBody>
+                  <a:tcPr/>
+                </a:tc>
+                <a:tc>
+                  <a:txBody>
+                    <a:bodyPr/>
+                    <a:lstStyle/>
+                    <a:p>
+                      <a:r>
+                        <a:rPr lang="en-IN" dirty="0"/>
+                        <a:t>Sensor data, stock prices</a:t>
+                      </a:r>
+                    </a:p>
+                  </a:txBody>
+                  <a:tcPr/>
+                </a:tc>
+                <a:tc>
+                  <a:txBody>
+                    <a:bodyPr/>
+                    <a:lstStyle/>
+                    <a:p>
+                      <a:r>
+                        <a:rPr lang="en-IN" dirty="0"/>
+                        <a:t>pandas, NumPy</a:t>
+                      </a:r>
+                    </a:p>
+                  </a:txBody>
+                  <a:tcPr/>
+                </a:tc>
+                <a:extLst>
+                  <a:ext uri="{0D108BD9-81ED-4DB2-BD59-A6C34878D82A}">
+                    <a16:rowId xmlns:a16="http://schemas.microsoft.com/office/drawing/2014/main" val="150240486"/>
+                  </a:ext>
+                </a:extLst>
+              </a:tr>
+              <a:tr h="370840">
+                <a:tc>
+                  <a:txBody>
+                    <a:bodyPr/>
+                    <a:lstStyle/>
+                    <a:p>
+                      <a:r>
+                        <a:rPr lang="en-IN" dirty="0"/>
+                        <a:t>Spatial</a:t>
+                      </a:r>
+                    </a:p>
+                  </a:txBody>
+                  <a:tcPr/>
+                </a:tc>
+                <a:tc>
+                  <a:txBody>
+                    <a:bodyPr/>
+                    <a:lstStyle/>
+                    <a:p>
+                      <a:r>
+                        <a:rPr lang="en-IN" dirty="0"/>
+                        <a:t>Geographical data</a:t>
+                      </a:r>
+                    </a:p>
+                  </a:txBody>
+                  <a:tcPr/>
+                </a:tc>
+                <a:tc>
+                  <a:txBody>
+                    <a:bodyPr/>
+                    <a:lstStyle/>
+                    <a:p>
+                      <a:r>
+                        <a:rPr lang="en-IN" dirty="0"/>
+                        <a:t>GPS logs, maps</a:t>
+                      </a:r>
+                    </a:p>
+                  </a:txBody>
+                  <a:tcPr/>
+                </a:tc>
+                <a:tc>
+                  <a:txBody>
+                    <a:bodyPr/>
+                    <a:lstStyle/>
+                    <a:p>
+                      <a:r>
+                        <a:rPr lang="en-IN" dirty="0" err="1"/>
+                        <a:t>GeoPandas</a:t>
+                      </a:r>
+                      <a:r>
+                        <a:rPr lang="en-IN" dirty="0"/>
+                        <a:t>, Shapely</a:t>
+                      </a:r>
+                    </a:p>
+                  </a:txBody>
+                  <a:tcPr/>
+                </a:tc>
+                <a:extLst>
+                  <a:ext uri="{0D108BD9-81ED-4DB2-BD59-A6C34878D82A}">
+                    <a16:rowId xmlns:a16="http://schemas.microsoft.com/office/drawing/2014/main" val="491302188"/>
+                  </a:ext>
+                </a:extLst>
+              </a:tr>
+            </a:tbl>
+          </a:graphicData>
+        </a:graphic>
+      </p:graphicFrame>
     </p:spTree>
     <p:extLst>
       <p:ext uri="{BB962C8B-B14F-4D97-AF65-F5344CB8AC3E}">
@@ -4623,7 +5914,7 @@
         <p:cNvPr id="1" name="">
           <a:extLst>
             <a:ext uri="{FF2B5EF4-FFF2-40B4-BE49-F238E27FC236}">
-              <a16:creationId xmlns:a16="http://schemas.microsoft.com/office/drawing/2014/main" id="{2FBF0153-C9A9-D46C-01B2-41753D68E45E}"/>
+              <a16:creationId xmlns:a16="http://schemas.microsoft.com/office/drawing/2014/main" id="{992A5677-6964-ADFA-386E-8CEE7046B240}"/>
             </a:ext>
           </a:extLst>
         </p:cNvPr>
@@ -4643,7 +5934,7 @@
           <p:cNvPr id="9" name="Picture 8">
             <a:extLst>
               <a:ext uri="{FF2B5EF4-FFF2-40B4-BE49-F238E27FC236}">
-                <a16:creationId xmlns:a16="http://schemas.microsoft.com/office/drawing/2014/main" id="{C1938744-0A14-7C58-D756-DA7BFA361E6C}"/>
+                <a16:creationId xmlns:a16="http://schemas.microsoft.com/office/drawing/2014/main" id="{DD5C97C1-2A35-45B2-1F63-A0873A80E9A2}"/>
               </a:ext>
             </a:extLst>
           </p:cNvPr>
@@ -4679,7 +5970,7 @@
           <p:cNvPr id="12" name="Title 11">
             <a:extLst>
               <a:ext uri="{FF2B5EF4-FFF2-40B4-BE49-F238E27FC236}">
-                <a16:creationId xmlns:a16="http://schemas.microsoft.com/office/drawing/2014/main" id="{55EBC230-AA0A-E2EC-4902-663BBB100639}"/>
+                <a16:creationId xmlns:a16="http://schemas.microsoft.com/office/drawing/2014/main" id="{DC1743FB-0970-7240-2CD4-7919F2E09408}"/>
               </a:ext>
             </a:extLst>
           </p:cNvPr>
@@ -4692,8 +5983,8 @@
         </p:nvSpPr>
         <p:spPr>
           <a:xfrm>
-            <a:off x="838200" y="1090863"/>
-            <a:ext cx="10515600" cy="1171073"/>
+            <a:off x="838200" y="1090864"/>
+            <a:ext cx="10515600" cy="734762"/>
           </a:xfrm>
         </p:spPr>
         <p:txBody>
@@ -4702,14 +5993,28 @@
           </a:bodyPr>
           <a:lstStyle/>
           <a:p>
-            <a:r>
-              <a:rPr lang="en-US" b="1">
+            <a:br>
+              <a:rPr lang="en-US" b="1" dirty="0">
                 <a:solidFill>
                   <a:srgbClr val="C00000"/>
                 </a:solidFill>
               </a:rPr>
-              <a:t>Career  roles </a:t>
-            </a:r>
+            </a:br>
+            <a:r>
+              <a:rPr lang="en-US" b="1" dirty="0">
+                <a:solidFill>
+                  <a:srgbClr val="C00000"/>
+                </a:solidFill>
+              </a:rPr>
+              <a:t>Estimate Volume of Data</a:t>
+            </a:r>
+            <a:br>
+              <a:rPr lang="en-US" b="1" dirty="0">
+                <a:solidFill>
+                  <a:srgbClr val="C00000"/>
+                </a:solidFill>
+              </a:rPr>
+            </a:br>
             <a:br>
               <a:rPr lang="en-US" dirty="0">
                 <a:solidFill>
@@ -4725,81 +6030,394 @@
           </a:p>
         </p:txBody>
       </p:sp>
-      <p:sp>
-        <p:nvSpPr>
-          <p:cNvPr id="4" name="Content Placeholder 3">
-            <a:extLst>
-              <a:ext uri="{FF2B5EF4-FFF2-40B4-BE49-F238E27FC236}">
-                <a16:creationId xmlns:a16="http://schemas.microsoft.com/office/drawing/2014/main" id="{39735FD5-EFD8-E566-AC4B-84B3BA5FD6A2}"/>
-              </a:ext>
-            </a:extLst>
-          </p:cNvPr>
-          <p:cNvSpPr>
-            <a:spLocks noGrp="1"/>
-          </p:cNvSpPr>
+      <p:graphicFrame>
+        <p:nvGraphicFramePr>
+          <p:cNvPr id="2" name="Content Placeholder 1">
+            <a:extLst>
+              <a:ext uri="{FF2B5EF4-FFF2-40B4-BE49-F238E27FC236}">
+                <a16:creationId xmlns:a16="http://schemas.microsoft.com/office/drawing/2014/main" id="{A9763074-38F6-D840-1059-2B76DDD63508}"/>
+              </a:ext>
+            </a:extLst>
+          </p:cNvPr>
+          <p:cNvGraphicFramePr>
+            <a:graphicFrameLocks noGrp="1"/>
+          </p:cNvGraphicFramePr>
           <p:nvPr>
             <p:ph idx="1"/>
-          </p:nvPr>
-        </p:nvSpPr>
-        <p:spPr>
-          <a:xfrm>
-            <a:off x="838200" y="2261937"/>
-            <a:ext cx="10515600" cy="3915026"/>
-          </a:xfrm>
-        </p:spPr>
-        <p:txBody>
-          <a:bodyPr/>
-          <a:lstStyle/>
-          <a:p>
-            <a:pPr marL="0" indent="0">
-              <a:buNone/>
-            </a:pPr>
-            <a:r>
-              <a:rPr lang="en-IN" b="1" dirty="0">
-                <a:solidFill>
-                  <a:srgbClr val="002060"/>
-                </a:solidFill>
-              </a:rPr>
-              <a:t>Data Analyst</a:t>
-            </a:r>
-          </a:p>
-          <a:p>
-            <a:r>
-              <a:rPr lang="en-IN" b="1" dirty="0"/>
-              <a:t>Responsibilities:</a:t>
-            </a:r>
-            <a:r>
-              <a:rPr lang="en-IN" dirty="0"/>
-              <a:t> Collects, processes, and </a:t>
-            </a:r>
-            <a:r>
-              <a:rPr lang="en-IN" dirty="0" err="1"/>
-              <a:t>analyzes</a:t>
-            </a:r>
-            <a:r>
-              <a:rPr lang="en-IN" dirty="0"/>
-              <a:t> large datasets to reveal trends, patterns, and actionable insights. Prepares reports for stakeholders and builds dashboards to visualize findings.</a:t>
-            </a:r>
-          </a:p>
-          <a:p>
-            <a:r>
-              <a:rPr lang="en-IN" b="1" dirty="0"/>
-              <a:t>Typical Tools:</a:t>
-            </a:r>
-            <a:r>
-              <a:rPr lang="en-IN" dirty="0"/>
-              <a:t> Excel, SQL, Tableau, Power BI, Python.</a:t>
-            </a:r>
-          </a:p>
-          <a:p>
-            <a:endParaRPr lang="en-IN" dirty="0"/>
-          </a:p>
-        </p:txBody>
-      </p:sp>
+            <p:extLst>
+              <p:ext uri="{D42A27DB-BD31-4B8C-83A1-F6EECF244321}">
+                <p14:modId xmlns:p14="http://schemas.microsoft.com/office/powerpoint/2010/main" val="1575036686"/>
+              </p:ext>
+            </p:extLst>
+          </p:nvPr>
+        </p:nvGraphicFramePr>
+        <p:xfrm>
+          <a:off x="838200" y="2065469"/>
+          <a:ext cx="10515600" cy="2661920"/>
+        </p:xfrm>
+        <a:graphic>
+          <a:graphicData uri="http://schemas.openxmlformats.org/drawingml/2006/table">
+            <a:tbl>
+              <a:tblPr firstRow="1" bandRow="1">
+                <a:tableStyleId>{793D81CF-94F2-401A-BA57-92F5A7B2D0C5}</a:tableStyleId>
+              </a:tblPr>
+              <a:tblGrid>
+                <a:gridCol w="2628900">
+                  <a:extLst>
+                    <a:ext uri="{9D8B030D-6E8A-4147-A177-3AD203B41FA5}">
+                      <a16:colId xmlns:a16="http://schemas.microsoft.com/office/drawing/2014/main" val="2316696436"/>
+                    </a:ext>
+                  </a:extLst>
+                </a:gridCol>
+                <a:gridCol w="2628900">
+                  <a:extLst>
+                    <a:ext uri="{9D8B030D-6E8A-4147-A177-3AD203B41FA5}">
+                      <a16:colId xmlns:a16="http://schemas.microsoft.com/office/drawing/2014/main" val="856136943"/>
+                    </a:ext>
+                  </a:extLst>
+                </a:gridCol>
+                <a:gridCol w="2163580">
+                  <a:extLst>
+                    <a:ext uri="{9D8B030D-6E8A-4147-A177-3AD203B41FA5}">
+                      <a16:colId xmlns:a16="http://schemas.microsoft.com/office/drawing/2014/main" val="1279214044"/>
+                    </a:ext>
+                  </a:extLst>
+                </a:gridCol>
+                <a:gridCol w="3094220">
+                  <a:extLst>
+                    <a:ext uri="{9D8B030D-6E8A-4147-A177-3AD203B41FA5}">
+                      <a16:colId xmlns:a16="http://schemas.microsoft.com/office/drawing/2014/main" val="953505096"/>
+                    </a:ext>
+                  </a:extLst>
+                </a:gridCol>
+              </a:tblGrid>
+              <a:tr h="370840">
+                <a:tc>
+                  <a:txBody>
+                    <a:bodyPr/>
+                    <a:lstStyle/>
+                    <a:p>
+                      <a:r>
+                        <a:rPr lang="en-IN" dirty="0"/>
+                        <a:t>Volume Category</a:t>
+                      </a:r>
+                    </a:p>
+                  </a:txBody>
+                  <a:tcPr/>
+                </a:tc>
+                <a:tc>
+                  <a:txBody>
+                    <a:bodyPr/>
+                    <a:lstStyle/>
+                    <a:p>
+                      <a:r>
+                        <a:rPr lang="en-IN" dirty="0"/>
+                        <a:t>Description</a:t>
+                      </a:r>
+                    </a:p>
+                  </a:txBody>
+                  <a:tcPr/>
+                </a:tc>
+                <a:tc>
+                  <a:txBody>
+                    <a:bodyPr/>
+                    <a:lstStyle/>
+                    <a:p>
+                      <a:r>
+                        <a:rPr lang="en-IN" dirty="0"/>
+                        <a:t>Example </a:t>
+                      </a:r>
+                      <a:r>
+                        <a:rPr lang="en-IN" dirty="0" err="1"/>
+                        <a:t>UseCase</a:t>
+                      </a:r>
+                      <a:endParaRPr lang="en-IN" dirty="0"/>
+                    </a:p>
+                  </a:txBody>
+                  <a:tcPr/>
+                </a:tc>
+                <a:tc>
+                  <a:txBody>
+                    <a:bodyPr/>
+                    <a:lstStyle/>
+                    <a:p>
+                      <a:r>
+                        <a:rPr lang="en-IN" dirty="0"/>
+                        <a:t>Strategy</a:t>
+                      </a:r>
+                    </a:p>
+                  </a:txBody>
+                  <a:tcPr/>
+                </a:tc>
+                <a:extLst>
+                  <a:ext uri="{0D108BD9-81ED-4DB2-BD59-A6C34878D82A}">
+                    <a16:rowId xmlns:a16="http://schemas.microsoft.com/office/drawing/2014/main" val="1978324880"/>
+                  </a:ext>
+                </a:extLst>
+              </a:tr>
+              <a:tr h="370840">
+                <a:tc>
+                  <a:txBody>
+                    <a:bodyPr/>
+                    <a:lstStyle/>
+                    <a:p>
+                      <a:r>
+                        <a:rPr lang="en-IN" dirty="0"/>
+                        <a:t>Small</a:t>
+                      </a:r>
+                    </a:p>
+                  </a:txBody>
+                  <a:tcPr/>
+                </a:tc>
+                <a:tc>
+                  <a:txBody>
+                    <a:bodyPr/>
+                    <a:lstStyle/>
+                    <a:p>
+                      <a:r>
+                        <a:rPr lang="en-IN" dirty="0"/>
+                        <a:t>&lt;10 MB</a:t>
+                      </a:r>
+                    </a:p>
+                  </a:txBody>
+                  <a:tcPr/>
+                </a:tc>
+                <a:tc>
+                  <a:txBody>
+                    <a:bodyPr/>
+                    <a:lstStyle/>
+                    <a:p>
+                      <a:r>
+                        <a:rPr lang="en-IN" dirty="0"/>
+                        <a:t>Local CSV Analysis</a:t>
+                      </a:r>
+                    </a:p>
+                  </a:txBody>
+                  <a:tcPr/>
+                </a:tc>
+                <a:tc>
+                  <a:txBody>
+                    <a:bodyPr/>
+                    <a:lstStyle/>
+                    <a:p>
+                      <a:r>
+                        <a:rPr lang="en-IN" dirty="0"/>
+                        <a:t>In-memory pandas</a:t>
+                      </a:r>
+                    </a:p>
+                  </a:txBody>
+                  <a:tcPr/>
+                </a:tc>
+                <a:extLst>
+                  <a:ext uri="{0D108BD9-81ED-4DB2-BD59-A6C34878D82A}">
+                    <a16:rowId xmlns:a16="http://schemas.microsoft.com/office/drawing/2014/main" val="3719656144"/>
+                  </a:ext>
+                </a:extLst>
+              </a:tr>
+              <a:tr h="640080">
+                <a:tc>
+                  <a:txBody>
+                    <a:bodyPr/>
+                    <a:lstStyle/>
+                    <a:p>
+                      <a:r>
+                        <a:rPr lang="en-IN" dirty="0"/>
+                        <a:t>Medium</a:t>
+                      </a:r>
+                    </a:p>
+                  </a:txBody>
+                  <a:tcPr/>
+                </a:tc>
+                <a:tc>
+                  <a:txBody>
+                    <a:bodyPr/>
+                    <a:lstStyle/>
+                    <a:p>
+                      <a:r>
+                        <a:rPr lang="en-IN" dirty="0"/>
+                        <a:t>10MB-1GB</a:t>
+                      </a:r>
+                    </a:p>
+                  </a:txBody>
+                  <a:tcPr/>
+                </a:tc>
+                <a:tc>
+                  <a:txBody>
+                    <a:bodyPr/>
+                    <a:lstStyle/>
+                    <a:p>
+                      <a:r>
+                        <a:rPr lang="en-IN" dirty="0"/>
+                        <a:t>Web app with user uploads</a:t>
+                      </a:r>
+                    </a:p>
+                  </a:txBody>
+                  <a:tcPr/>
+                </a:tc>
+                <a:tc>
+                  <a:txBody>
+                    <a:bodyPr/>
+                    <a:lstStyle/>
+                    <a:p>
+                      <a:r>
+                        <a:rPr lang="en-IN" dirty="0"/>
+                        <a:t>Use chunking, caching</a:t>
+                      </a:r>
+                    </a:p>
+                  </a:txBody>
+                  <a:tcPr/>
+                </a:tc>
+                <a:extLst>
+                  <a:ext uri="{0D108BD9-81ED-4DB2-BD59-A6C34878D82A}">
+                    <a16:rowId xmlns:a16="http://schemas.microsoft.com/office/drawing/2014/main" val="340425294"/>
+                  </a:ext>
+                </a:extLst>
+              </a:tr>
+              <a:tr h="370840">
+                <a:tc>
+                  <a:txBody>
+                    <a:bodyPr/>
+                    <a:lstStyle/>
+                    <a:p>
+                      <a:r>
+                        <a:rPr lang="en-IN" dirty="0"/>
+                        <a:t>Large</a:t>
+                      </a:r>
+                    </a:p>
+                  </a:txBody>
+                  <a:tcPr/>
+                </a:tc>
+                <a:tc>
+                  <a:txBody>
+                    <a:bodyPr/>
+                    <a:lstStyle/>
+                    <a:p>
+                      <a:r>
+                        <a:rPr lang="en-IN" dirty="0"/>
+                        <a:t>&gt;1GB</a:t>
+                      </a:r>
+                    </a:p>
+                  </a:txBody>
+                  <a:tcPr/>
+                </a:tc>
+                <a:tc>
+                  <a:txBody>
+                    <a:bodyPr/>
+                    <a:lstStyle/>
+                    <a:p>
+                      <a:r>
+                        <a:rPr lang="en-IN" dirty="0"/>
+                        <a:t>Real-time analytics,</a:t>
+                      </a:r>
+                    </a:p>
+                    <a:p>
+                      <a:r>
+                        <a:rPr lang="en-IN" dirty="0"/>
+                        <a:t>logs</a:t>
+                      </a:r>
+                    </a:p>
+                  </a:txBody>
+                  <a:tcPr/>
+                </a:tc>
+                <a:tc>
+                  <a:txBody>
+                    <a:bodyPr/>
+                    <a:lstStyle/>
+                    <a:p>
+                      <a:r>
+                        <a:rPr lang="en-IN" dirty="0"/>
+                        <a:t>Use databases, </a:t>
+                      </a:r>
+                      <a:r>
+                        <a:rPr lang="en-IN" dirty="0" err="1"/>
+                        <a:t>Dask</a:t>
+                      </a:r>
+                      <a:r>
+                        <a:rPr lang="en-IN" dirty="0"/>
+                        <a:t>, </a:t>
+                      </a:r>
+                      <a:r>
+                        <a:rPr lang="en-IN" dirty="0" err="1"/>
+                        <a:t>PySpark</a:t>
+                      </a:r>
+                      <a:endParaRPr lang="en-IN" dirty="0"/>
+                    </a:p>
+                  </a:txBody>
+                  <a:tcPr/>
+                </a:tc>
+                <a:extLst>
+                  <a:ext uri="{0D108BD9-81ED-4DB2-BD59-A6C34878D82A}">
+                    <a16:rowId xmlns:a16="http://schemas.microsoft.com/office/drawing/2014/main" val="101143553"/>
+                  </a:ext>
+                </a:extLst>
+              </a:tr>
+              <a:tr h="640080">
+                <a:tc>
+                  <a:txBody>
+                    <a:bodyPr/>
+                    <a:lstStyle/>
+                    <a:p>
+                      <a:r>
+                        <a:rPr lang="en-IN" dirty="0"/>
+                        <a:t>Streaming</a:t>
+                      </a:r>
+                    </a:p>
+                  </a:txBody>
+                  <a:tcPr/>
+                </a:tc>
+                <a:tc>
+                  <a:txBody>
+                    <a:bodyPr/>
+                    <a:lstStyle/>
+                    <a:p>
+                      <a:r>
+                        <a:rPr lang="en-IN" dirty="0"/>
+                        <a:t>Continuous Flow</a:t>
+                      </a:r>
+                    </a:p>
+                  </a:txBody>
+                  <a:tcPr/>
+                </a:tc>
+                <a:tc>
+                  <a:txBody>
+                    <a:bodyPr/>
+                    <a:lstStyle/>
+                    <a:p>
+                      <a:r>
+                        <a:rPr lang="en-IN" dirty="0"/>
+                        <a:t>IoT, logs, transactions</a:t>
+                      </a:r>
+                    </a:p>
+                  </a:txBody>
+                  <a:tcPr/>
+                </a:tc>
+                <a:tc>
+                  <a:txBody>
+                    <a:bodyPr/>
+                    <a:lstStyle/>
+                    <a:p>
+                      <a:r>
+                        <a:rPr lang="en-IN" dirty="0"/>
+                        <a:t>Kafka, Flink, pandas streaming</a:t>
+                      </a:r>
+                    </a:p>
+                  </a:txBody>
+                  <a:tcPr/>
+                </a:tc>
+                <a:extLst>
+                  <a:ext uri="{0D108BD9-81ED-4DB2-BD59-A6C34878D82A}">
+                    <a16:rowId xmlns:a16="http://schemas.microsoft.com/office/drawing/2014/main" val="150240486"/>
+                  </a:ext>
+                </a:extLst>
+              </a:tr>
+            </a:tbl>
+          </a:graphicData>
+        </a:graphic>
+      </p:graphicFrame>
     </p:spTree>
     <p:extLst>
       <p:ext uri="{BB962C8B-B14F-4D97-AF65-F5344CB8AC3E}">
-        <p14:creationId xmlns:p14="http://schemas.microsoft.com/office/powerpoint/2010/main" val="1337943040"/>
+        <p14:creationId xmlns:p14="http://schemas.microsoft.com/office/powerpoint/2010/main" val="2221032539"/>
       </p:ext>
     </p:extLst>
   </p:cSld>
@@ -4817,7 +6435,7 @@
         <p:cNvPr id="1" name="">
           <a:extLst>
             <a:ext uri="{FF2B5EF4-FFF2-40B4-BE49-F238E27FC236}">
-              <a16:creationId xmlns:a16="http://schemas.microsoft.com/office/drawing/2014/main" id="{298C305C-24EE-E6F8-ADA7-B19A4F87414A}"/>
+              <a16:creationId xmlns:a16="http://schemas.microsoft.com/office/drawing/2014/main" id="{D481C0C9-1D35-79D8-7C30-A8A0A6C06555}"/>
             </a:ext>
           </a:extLst>
         </p:cNvPr>
@@ -4837,7 +6455,7 @@
           <p:cNvPr id="9" name="Picture 8">
             <a:extLst>
               <a:ext uri="{FF2B5EF4-FFF2-40B4-BE49-F238E27FC236}">
-                <a16:creationId xmlns:a16="http://schemas.microsoft.com/office/drawing/2014/main" id="{E9527F4D-69E3-6DB3-E2B6-BF17C7CE5C1D}"/>
+                <a16:creationId xmlns:a16="http://schemas.microsoft.com/office/drawing/2014/main" id="{2FAE8A4F-D7E8-2023-9386-0326F9BB024A}"/>
               </a:ext>
             </a:extLst>
           </p:cNvPr>
@@ -4873,7 +6491,7 @@
           <p:cNvPr id="12" name="Title 11">
             <a:extLst>
               <a:ext uri="{FF2B5EF4-FFF2-40B4-BE49-F238E27FC236}">
-                <a16:creationId xmlns:a16="http://schemas.microsoft.com/office/drawing/2014/main" id="{ADD7F852-FFC2-6626-3163-8EA32EBA7812}"/>
+                <a16:creationId xmlns:a16="http://schemas.microsoft.com/office/drawing/2014/main" id="{397E860A-3AB6-04FF-D226-778ABD764315}"/>
               </a:ext>
             </a:extLst>
           </p:cNvPr>
@@ -4886,8 +6504,8 @@
         </p:nvSpPr>
         <p:spPr>
           <a:xfrm>
-            <a:off x="838200" y="1090863"/>
-            <a:ext cx="10515600" cy="1171073"/>
+            <a:off x="838200" y="1090864"/>
+            <a:ext cx="10515600" cy="734762"/>
           </a:xfrm>
         </p:spPr>
         <p:txBody>
@@ -4896,14 +6514,49 @@
           </a:bodyPr>
           <a:lstStyle/>
           <a:p>
-            <a:r>
+            <a:br>
               <a:rPr lang="en-US" b="1" dirty="0">
                 <a:solidFill>
                   <a:srgbClr val="C00000"/>
                 </a:solidFill>
               </a:rPr>
-              <a:t>Career map for roles in AI &amp; Big Data Analytics</a:t>
-            </a:r>
+            </a:br>
+            <a:br>
+              <a:rPr lang="en-US" b="1" dirty="0">
+                <a:solidFill>
+                  <a:srgbClr val="C00000"/>
+                </a:solidFill>
+              </a:rPr>
+            </a:br>
+            <a:br>
+              <a:rPr lang="en-US" b="1" dirty="0">
+                <a:solidFill>
+                  <a:srgbClr val="C00000"/>
+                </a:solidFill>
+              </a:rPr>
+            </a:br>
+            <a:r>
+              <a:rPr lang="en-US" b="1" dirty="0">
+                <a:solidFill>
+                  <a:srgbClr val="C00000"/>
+                </a:solidFill>
+              </a:rPr>
+              <a:t>Define Variables Required for Analysis</a:t>
+            </a:r>
+            <a:br>
+              <a:rPr lang="en-US" b="1" dirty="0">
+                <a:solidFill>
+                  <a:srgbClr val="C00000"/>
+                </a:solidFill>
+              </a:rPr>
+            </a:br>
+            <a:br>
+              <a:rPr lang="en-US" b="1" dirty="0">
+                <a:solidFill>
+                  <a:srgbClr val="C00000"/>
+                </a:solidFill>
+              </a:rPr>
+            </a:br>
             <a:br>
               <a:rPr lang="en-US" dirty="0">
                 <a:solidFill>
@@ -4919,73 +6572,454 @@
           </a:p>
         </p:txBody>
       </p:sp>
-      <p:sp>
-        <p:nvSpPr>
-          <p:cNvPr id="4" name="Content Placeholder 3">
-            <a:extLst>
-              <a:ext uri="{FF2B5EF4-FFF2-40B4-BE49-F238E27FC236}">
-                <a16:creationId xmlns:a16="http://schemas.microsoft.com/office/drawing/2014/main" id="{7524FDDB-07B4-54F0-DC21-901EF29BFD55}"/>
-              </a:ext>
-            </a:extLst>
-          </p:cNvPr>
-          <p:cNvSpPr>
-            <a:spLocks noGrp="1"/>
-          </p:cNvSpPr>
+      <p:graphicFrame>
+        <p:nvGraphicFramePr>
+          <p:cNvPr id="2" name="Content Placeholder 1">
+            <a:extLst>
+              <a:ext uri="{FF2B5EF4-FFF2-40B4-BE49-F238E27FC236}">
+                <a16:creationId xmlns:a16="http://schemas.microsoft.com/office/drawing/2014/main" id="{09B7FF8B-722A-4FC6-D69D-EF15308A192E}"/>
+              </a:ext>
+            </a:extLst>
+          </p:cNvPr>
+          <p:cNvGraphicFramePr>
+            <a:graphicFrameLocks noGrp="1"/>
+          </p:cNvGraphicFramePr>
           <p:nvPr>
             <p:ph idx="1"/>
-          </p:nvPr>
-        </p:nvSpPr>
-        <p:spPr>
-          <a:xfrm>
-            <a:off x="838200" y="2261937"/>
-            <a:ext cx="10515600" cy="3915026"/>
-          </a:xfrm>
-        </p:spPr>
-        <p:txBody>
-          <a:bodyPr/>
-          <a:lstStyle/>
-          <a:p>
-            <a:pPr marL="0" indent="0">
-              <a:buNone/>
-            </a:pPr>
-            <a:r>
-              <a:rPr lang="en-US" b="1" dirty="0">
-                <a:solidFill>
-                  <a:srgbClr val="002060"/>
-                </a:solidFill>
-              </a:rPr>
-              <a:t>Data Scientist (Advanced/Progression Role)</a:t>
-            </a:r>
-          </a:p>
-          <a:p>
-            <a:r>
-              <a:rPr lang="en-US" b="1" dirty="0"/>
-              <a:t>Responsibilities:</a:t>
-            </a:r>
-            <a:r>
-              <a:rPr lang="en-US" dirty="0"/>
-              <a:t> Leverages advanced analytics, machine learning, and predictive models to solve complex business problems. Designs experiments, automates workflows, and develops custom data products.</a:t>
-            </a:r>
-          </a:p>
-          <a:p>
-            <a:r>
-              <a:rPr lang="en-US" b="1" dirty="0"/>
-              <a:t>Career Path:</a:t>
-            </a:r>
-            <a:r>
-              <a:rPr lang="en-US" dirty="0"/>
-              <a:t> Many experienced analysts grow into this role with upskilling.</a:t>
-            </a:r>
-          </a:p>
-          <a:p>
-            <a:endParaRPr lang="en-IN" dirty="0"/>
-          </a:p>
-        </p:txBody>
-      </p:sp>
+            <p:extLst>
+              <p:ext uri="{D42A27DB-BD31-4B8C-83A1-F6EECF244321}">
+                <p14:modId xmlns:p14="http://schemas.microsoft.com/office/powerpoint/2010/main" val="2351908226"/>
+              </p:ext>
+            </p:extLst>
+          </p:nvPr>
+        </p:nvGraphicFramePr>
+        <p:xfrm>
+          <a:off x="838200" y="2065469"/>
+          <a:ext cx="10515600" cy="3032760"/>
+        </p:xfrm>
+        <a:graphic>
+          <a:graphicData uri="http://schemas.openxmlformats.org/drawingml/2006/table">
+            <a:tbl>
+              <a:tblPr firstRow="1" bandRow="1">
+                <a:tableStyleId>{793D81CF-94F2-401A-BA57-92F5A7B2D0C5}</a:tableStyleId>
+              </a:tblPr>
+              <a:tblGrid>
+                <a:gridCol w="1905000">
+                  <a:extLst>
+                    <a:ext uri="{9D8B030D-6E8A-4147-A177-3AD203B41FA5}">
+                      <a16:colId xmlns:a16="http://schemas.microsoft.com/office/drawing/2014/main" val="2316696436"/>
+                    </a:ext>
+                  </a:extLst>
+                </a:gridCol>
+                <a:gridCol w="2773180">
+                  <a:extLst>
+                    <a:ext uri="{9D8B030D-6E8A-4147-A177-3AD203B41FA5}">
+                      <a16:colId xmlns:a16="http://schemas.microsoft.com/office/drawing/2014/main" val="856136943"/>
+                    </a:ext>
+                  </a:extLst>
+                </a:gridCol>
+                <a:gridCol w="2743200">
+                  <a:extLst>
+                    <a:ext uri="{9D8B030D-6E8A-4147-A177-3AD203B41FA5}">
+                      <a16:colId xmlns:a16="http://schemas.microsoft.com/office/drawing/2014/main" val="1279214044"/>
+                    </a:ext>
+                  </a:extLst>
+                </a:gridCol>
+                <a:gridCol w="3094220">
+                  <a:extLst>
+                    <a:ext uri="{9D8B030D-6E8A-4147-A177-3AD203B41FA5}">
+                      <a16:colId xmlns:a16="http://schemas.microsoft.com/office/drawing/2014/main" val="953505096"/>
+                    </a:ext>
+                  </a:extLst>
+                </a:gridCol>
+              </a:tblGrid>
+              <a:tr h="370840">
+                <a:tc>
+                  <a:txBody>
+                    <a:bodyPr/>
+                    <a:lstStyle/>
+                    <a:p>
+                      <a:r>
+                        <a:rPr lang="en-IN" dirty="0"/>
+                        <a:t>Type</a:t>
+                      </a:r>
+                    </a:p>
+                  </a:txBody>
+                  <a:tcPr/>
+                </a:tc>
+                <a:tc>
+                  <a:txBody>
+                    <a:bodyPr/>
+                    <a:lstStyle/>
+                    <a:p>
+                      <a:r>
+                        <a:rPr lang="en-IN" dirty="0"/>
+                        <a:t>Description</a:t>
+                      </a:r>
+                    </a:p>
+                  </a:txBody>
+                  <a:tcPr/>
+                </a:tc>
+                <a:tc>
+                  <a:txBody>
+                    <a:bodyPr/>
+                    <a:lstStyle/>
+                    <a:p>
+                      <a:r>
+                        <a:rPr lang="en-IN" dirty="0"/>
+                        <a:t>Examples</a:t>
+                      </a:r>
+                    </a:p>
+                  </a:txBody>
+                  <a:tcPr/>
+                </a:tc>
+                <a:tc>
+                  <a:txBody>
+                    <a:bodyPr/>
+                    <a:lstStyle/>
+                    <a:p>
+                      <a:r>
+                        <a:rPr lang="en-IN" dirty="0"/>
+                        <a:t>Handling</a:t>
+                      </a:r>
+                    </a:p>
+                  </a:txBody>
+                  <a:tcPr/>
+                </a:tc>
+                <a:extLst>
+                  <a:ext uri="{0D108BD9-81ED-4DB2-BD59-A6C34878D82A}">
+                    <a16:rowId xmlns:a16="http://schemas.microsoft.com/office/drawing/2014/main" val="1978324880"/>
+                  </a:ext>
+                </a:extLst>
+              </a:tr>
+              <a:tr h="370840">
+                <a:tc>
+                  <a:txBody>
+                    <a:bodyPr/>
+                    <a:lstStyle/>
+                    <a:p>
+                      <a:r>
+                        <a:rPr lang="en-IN" dirty="0"/>
+                        <a:t>Numerical</a:t>
+                      </a:r>
+                    </a:p>
+                  </a:txBody>
+                  <a:tcPr/>
+                </a:tc>
+                <a:tc>
+                  <a:txBody>
+                    <a:bodyPr/>
+                    <a:lstStyle/>
+                    <a:p>
+                      <a:r>
+                        <a:rPr lang="en-IN" dirty="0"/>
+                        <a:t>Quantitative values</a:t>
+                      </a:r>
+                    </a:p>
+                  </a:txBody>
+                  <a:tcPr/>
+                </a:tc>
+                <a:tc>
+                  <a:txBody>
+                    <a:bodyPr/>
+                    <a:lstStyle/>
+                    <a:p>
+                      <a:r>
+                        <a:rPr lang="en-IN" dirty="0"/>
+                        <a:t>Age, Salary, </a:t>
+                      </a:r>
+                      <a:r>
+                        <a:rPr lang="en-IN" dirty="0" err="1"/>
+                        <a:t>temprature</a:t>
+                      </a:r>
+                      <a:endParaRPr lang="en-IN" dirty="0"/>
+                    </a:p>
+                  </a:txBody>
+                  <a:tcPr/>
+                </a:tc>
+                <a:tc>
+                  <a:txBody>
+                    <a:bodyPr/>
+                    <a:lstStyle/>
+                    <a:p>
+                      <a:r>
+                        <a:rPr lang="en-IN" dirty="0"/>
+                        <a:t>Normalize, scale</a:t>
+                      </a:r>
+                    </a:p>
+                  </a:txBody>
+                  <a:tcPr/>
+                </a:tc>
+                <a:extLst>
+                  <a:ext uri="{0D108BD9-81ED-4DB2-BD59-A6C34878D82A}">
+                    <a16:rowId xmlns:a16="http://schemas.microsoft.com/office/drawing/2014/main" val="3719656144"/>
+                  </a:ext>
+                </a:extLst>
+              </a:tr>
+              <a:tr h="640080">
+                <a:tc>
+                  <a:txBody>
+                    <a:bodyPr/>
+                    <a:lstStyle/>
+                    <a:p>
+                      <a:r>
+                        <a:rPr lang="en-IN" dirty="0"/>
+                        <a:t>Categorical</a:t>
+                      </a:r>
+                    </a:p>
+                  </a:txBody>
+                  <a:tcPr/>
+                </a:tc>
+                <a:tc>
+                  <a:txBody>
+                    <a:bodyPr/>
+                    <a:lstStyle/>
+                    <a:p>
+                      <a:r>
+                        <a:rPr lang="en-IN" dirty="0"/>
+                        <a:t>Qualitative labels</a:t>
+                      </a:r>
+                    </a:p>
+                  </a:txBody>
+                  <a:tcPr/>
+                </a:tc>
+                <a:tc>
+                  <a:txBody>
+                    <a:bodyPr/>
+                    <a:lstStyle/>
+                    <a:p>
+                      <a:r>
+                        <a:rPr lang="en-IN" dirty="0"/>
+                        <a:t>Gender, region, </a:t>
+                      </a:r>
+                      <a:r>
+                        <a:rPr lang="en-IN" dirty="0" err="1"/>
+                        <a:t>device_type</a:t>
+                      </a:r>
+                      <a:endParaRPr lang="en-IN" dirty="0"/>
+                    </a:p>
+                  </a:txBody>
+                  <a:tcPr/>
+                </a:tc>
+                <a:tc>
+                  <a:txBody>
+                    <a:bodyPr/>
+                    <a:lstStyle/>
+                    <a:p>
+                      <a:r>
+                        <a:rPr lang="en-IN" dirty="0"/>
+                        <a:t>Use chunking, caching</a:t>
+                      </a:r>
+                    </a:p>
+                  </a:txBody>
+                  <a:tcPr/>
+                </a:tc>
+                <a:extLst>
+                  <a:ext uri="{0D108BD9-81ED-4DB2-BD59-A6C34878D82A}">
+                    <a16:rowId xmlns:a16="http://schemas.microsoft.com/office/drawing/2014/main" val="340425294"/>
+                  </a:ext>
+                </a:extLst>
+              </a:tr>
+              <a:tr h="370840">
+                <a:tc>
+                  <a:txBody>
+                    <a:bodyPr/>
+                    <a:lstStyle/>
+                    <a:p>
+                      <a:r>
+                        <a:rPr lang="en-IN" dirty="0"/>
+                        <a:t>Datetime</a:t>
+                      </a:r>
+                    </a:p>
+                  </a:txBody>
+                  <a:tcPr/>
+                </a:tc>
+                <a:tc>
+                  <a:txBody>
+                    <a:bodyPr/>
+                    <a:lstStyle/>
+                    <a:p>
+                      <a:r>
+                        <a:rPr lang="en-IN" dirty="0"/>
+                        <a:t>Time-based</a:t>
+                      </a:r>
+                    </a:p>
+                  </a:txBody>
+                  <a:tcPr/>
+                </a:tc>
+                <a:tc>
+                  <a:txBody>
+                    <a:bodyPr/>
+                    <a:lstStyle/>
+                    <a:p>
+                      <a:r>
+                        <a:rPr lang="en-IN" dirty="0"/>
+                        <a:t>Timestamp, </a:t>
+                      </a:r>
+                      <a:r>
+                        <a:rPr lang="en-IN" dirty="0" err="1"/>
+                        <a:t>date_of_birth</a:t>
+                      </a:r>
+                      <a:endParaRPr lang="en-IN" dirty="0"/>
+                    </a:p>
+                  </a:txBody>
+                  <a:tcPr/>
+                </a:tc>
+                <a:tc>
+                  <a:txBody>
+                    <a:bodyPr/>
+                    <a:lstStyle/>
+                    <a:p>
+                      <a:r>
+                        <a:rPr lang="en-IN" dirty="0"/>
+                        <a:t>Parse, resample</a:t>
+                      </a:r>
+                    </a:p>
+                  </a:txBody>
+                  <a:tcPr/>
+                </a:tc>
+                <a:extLst>
+                  <a:ext uri="{0D108BD9-81ED-4DB2-BD59-A6C34878D82A}">
+                    <a16:rowId xmlns:a16="http://schemas.microsoft.com/office/drawing/2014/main" val="101143553"/>
+                  </a:ext>
+                </a:extLst>
+              </a:tr>
+              <a:tr h="640080">
+                <a:tc>
+                  <a:txBody>
+                    <a:bodyPr/>
+                    <a:lstStyle/>
+                    <a:p>
+                      <a:r>
+                        <a:rPr lang="en-IN" dirty="0"/>
+                        <a:t>Text</a:t>
+                      </a:r>
+                    </a:p>
+                  </a:txBody>
+                  <a:tcPr/>
+                </a:tc>
+                <a:tc>
+                  <a:txBody>
+                    <a:bodyPr/>
+                    <a:lstStyle/>
+                    <a:p>
+                      <a:r>
+                        <a:rPr lang="en-IN" dirty="0"/>
+                        <a:t>Free-form strings</a:t>
+                      </a:r>
+                    </a:p>
+                  </a:txBody>
+                  <a:tcPr/>
+                </a:tc>
+                <a:tc>
+                  <a:txBody>
+                    <a:bodyPr/>
+                    <a:lstStyle/>
+                    <a:p>
+                      <a:r>
+                        <a:rPr lang="en-IN" dirty="0"/>
+                        <a:t>Comments, reviews</a:t>
+                      </a:r>
+                    </a:p>
+                  </a:txBody>
+                  <a:tcPr/>
+                </a:tc>
+                <a:tc>
+                  <a:txBody>
+                    <a:bodyPr/>
+                    <a:lstStyle/>
+                    <a:p>
+                      <a:r>
+                        <a:rPr lang="en-IN" dirty="0" err="1"/>
+                        <a:t>Tokenize,vectorize</a:t>
+                      </a:r>
+                      <a:endParaRPr lang="en-IN" dirty="0"/>
+                    </a:p>
+                  </a:txBody>
+                  <a:tcPr/>
+                </a:tc>
+                <a:extLst>
+                  <a:ext uri="{0D108BD9-81ED-4DB2-BD59-A6C34878D82A}">
+                    <a16:rowId xmlns:a16="http://schemas.microsoft.com/office/drawing/2014/main" val="150240486"/>
+                  </a:ext>
+                </a:extLst>
+              </a:tr>
+              <a:tr h="640080">
+                <a:tc>
+                  <a:txBody>
+                    <a:bodyPr/>
+                    <a:lstStyle/>
+                    <a:p>
+                      <a:r>
+                        <a:rPr lang="en-IN" dirty="0"/>
+                        <a:t>Boolean</a:t>
+                      </a:r>
+                    </a:p>
+                  </a:txBody>
+                  <a:tcPr/>
+                </a:tc>
+                <a:tc>
+                  <a:txBody>
+                    <a:bodyPr/>
+                    <a:lstStyle/>
+                    <a:p>
+                      <a:r>
+                        <a:rPr lang="en-IN" dirty="0"/>
+                        <a:t> True/False</a:t>
+                      </a:r>
+                    </a:p>
+                  </a:txBody>
+                  <a:tcPr/>
+                </a:tc>
+                <a:tc>
+                  <a:txBody>
+                    <a:bodyPr/>
+                    <a:lstStyle/>
+                    <a:p>
+                      <a:r>
+                        <a:rPr lang="en-IN" dirty="0" err="1"/>
+                        <a:t>Is_active</a:t>
+                      </a:r>
+                      <a:r>
+                        <a:rPr lang="en-IN" dirty="0"/>
+                        <a:t>, </a:t>
+                      </a:r>
+                      <a:r>
+                        <a:rPr lang="en-IN" dirty="0" err="1"/>
+                        <a:t>has_subscription</a:t>
+                      </a:r>
+                      <a:endParaRPr lang="en-IN" dirty="0"/>
+                    </a:p>
+                  </a:txBody>
+                  <a:tcPr/>
+                </a:tc>
+                <a:tc>
+                  <a:txBody>
+                    <a:bodyPr/>
+                    <a:lstStyle/>
+                    <a:p>
+                      <a:r>
+                        <a:rPr lang="en-IN" dirty="0"/>
+                        <a:t>Convert to binary</a:t>
+                      </a:r>
+                    </a:p>
+                  </a:txBody>
+                  <a:tcPr/>
+                </a:tc>
+                <a:extLst>
+                  <a:ext uri="{0D108BD9-81ED-4DB2-BD59-A6C34878D82A}">
+                    <a16:rowId xmlns:a16="http://schemas.microsoft.com/office/drawing/2014/main" val="2220059014"/>
+                  </a:ext>
+                </a:extLst>
+              </a:tr>
+            </a:tbl>
+          </a:graphicData>
+        </a:graphic>
+      </p:graphicFrame>
     </p:spTree>
     <p:extLst>
       <p:ext uri="{BB962C8B-B14F-4D97-AF65-F5344CB8AC3E}">
-        <p14:creationId xmlns:p14="http://schemas.microsoft.com/office/powerpoint/2010/main" val="1370868504"/>
+        <p14:creationId xmlns:p14="http://schemas.microsoft.com/office/powerpoint/2010/main" val="4197853947"/>
       </p:ext>
     </p:extLst>
   </p:cSld>
@@ -5003,7 +7037,7 @@
         <p:cNvPr id="1" name="">
           <a:extLst>
             <a:ext uri="{FF2B5EF4-FFF2-40B4-BE49-F238E27FC236}">
-              <a16:creationId xmlns:a16="http://schemas.microsoft.com/office/drawing/2014/main" id="{66E0E4B1-5F02-69C4-D339-CC109D9ABC88}"/>
+              <a16:creationId xmlns:a16="http://schemas.microsoft.com/office/drawing/2014/main" id="{41AE8C5F-4EA9-9166-58D9-3F55C27DF7A8}"/>
             </a:ext>
           </a:extLst>
         </p:cNvPr>
@@ -5023,7 +7057,7 @@
           <p:cNvPr id="9" name="Picture 8">
             <a:extLst>
               <a:ext uri="{FF2B5EF4-FFF2-40B4-BE49-F238E27FC236}">
-                <a16:creationId xmlns:a16="http://schemas.microsoft.com/office/drawing/2014/main" id="{C0CEA051-E689-6F5E-E0CF-0341E67C596A}"/>
+                <a16:creationId xmlns:a16="http://schemas.microsoft.com/office/drawing/2014/main" id="{778C9B7F-1B6A-851D-9C04-FBEA637C089E}"/>
               </a:ext>
             </a:extLst>
           </p:cNvPr>
@@ -5059,7 +7093,7 @@
           <p:cNvPr id="12" name="Title 11">
             <a:extLst>
               <a:ext uri="{FF2B5EF4-FFF2-40B4-BE49-F238E27FC236}">
-                <a16:creationId xmlns:a16="http://schemas.microsoft.com/office/drawing/2014/main" id="{5AF4F4BF-6716-49E6-9582-E583D0D30CE3}"/>
+                <a16:creationId xmlns:a16="http://schemas.microsoft.com/office/drawing/2014/main" id="{0298C027-E491-70DE-6B88-825B1ACA843A}"/>
               </a:ext>
             </a:extLst>
           </p:cNvPr>
@@ -5072,8 +7106,8 @@
         </p:nvSpPr>
         <p:spPr>
           <a:xfrm>
-            <a:off x="838200" y="1748325"/>
-            <a:ext cx="10515600" cy="1828800"/>
+            <a:off x="838200" y="1090864"/>
+            <a:ext cx="10515600" cy="734762"/>
           </a:xfrm>
         </p:spPr>
         <p:txBody>
@@ -5082,26 +7116,60 @@
           </a:bodyPr>
           <a:lstStyle/>
           <a:p>
-            <a:r>
-              <a:rPr lang="en-US" b="1" dirty="0" err="1">
+            <a:br>
+              <a:rPr lang="en-US" b="1" dirty="0">
                 <a:solidFill>
                   <a:srgbClr val="C00000"/>
                 </a:solidFill>
               </a:rPr>
-              <a:t>Analyse</a:t>
-            </a:r>
-            <a:r>
+            </a:br>
+            <a:br>
               <a:rPr lang="en-US" b="1" dirty="0">
                 <a:solidFill>
                   <a:srgbClr val="C00000"/>
                 </a:solidFill>
               </a:rPr>
-              <a:t> the differences between key terms such as Supervised Learning, Unsupervised Learning and Deep Learning</a:t>
-            </a:r>
+            </a:br>
             <a:br>
-              <a:rPr lang="en-US" dirty="0">
-                <a:solidFill>
-                  <a:srgbClr val="002060"/>
+              <a:rPr lang="en-US" b="1" dirty="0">
+                <a:solidFill>
+                  <a:srgbClr val="C00000"/>
+                </a:solidFill>
+              </a:rPr>
+            </a:br>
+            <a:br>
+              <a:rPr lang="en-US" b="1" dirty="0">
+                <a:solidFill>
+                  <a:srgbClr val="C00000"/>
+                </a:solidFill>
+              </a:rPr>
+            </a:br>
+            <a:r>
+              <a:rPr lang="en-US" b="1" dirty="0">
+                <a:solidFill>
+                  <a:srgbClr val="C00000"/>
+                </a:solidFill>
+              </a:rPr>
+              <a:t>Types of Data in Statistical Analysis</a:t>
+            </a:r>
+            <a:br>
+              <a:rPr lang="en-US" b="1" dirty="0">
+                <a:solidFill>
+                  <a:srgbClr val="C00000"/>
+                </a:solidFill>
+              </a:rPr>
+            </a:br>
+            <a:br>
+              <a:rPr lang="en-US" b="1" dirty="0">
+                <a:solidFill>
+                  <a:srgbClr val="C00000"/>
+                </a:solidFill>
+              </a:rPr>
+            </a:br>
+            <a:br>
+              <a:rPr lang="en-US" b="1" dirty="0">
+                <a:solidFill>
+                  <a:srgbClr val="C00000"/>
                 </a:solidFill>
               </a:rPr>
             </a:br>
@@ -5125,7 +7193,7 @@
           <p:cNvPr id="4" name="Content Placeholder 3">
             <a:extLst>
               <a:ext uri="{FF2B5EF4-FFF2-40B4-BE49-F238E27FC236}">
-                <a16:creationId xmlns:a16="http://schemas.microsoft.com/office/drawing/2014/main" id="{2DC93587-953D-FBE6-A4B6-5060E75B821F}"/>
+                <a16:creationId xmlns:a16="http://schemas.microsoft.com/office/drawing/2014/main" id="{531A3FF2-726D-F4CB-8E19-664574878C17}"/>
               </a:ext>
             </a:extLst>
           </p:cNvPr>
@@ -5136,56 +7204,329 @@
             <p:ph idx="1"/>
           </p:nvPr>
         </p:nvSpPr>
-        <p:spPr>
-          <a:xfrm>
-            <a:off x="838200" y="3252865"/>
-            <a:ext cx="10515600" cy="2924097"/>
-          </a:xfrm>
-        </p:spPr>
+        <p:spPr/>
         <p:txBody>
           <a:bodyPr/>
           <a:lstStyle/>
           <a:p>
-            <a:r>
-              <a:rPr lang="en-US" b="1" dirty="0">
-                <a:solidFill>
-                  <a:srgbClr val="002060"/>
+            <a:pPr marL="0" indent="0">
+              <a:buNone/>
+            </a:pPr>
+            <a:r>
+              <a:rPr lang="en-IN" b="1" dirty="0">
+                <a:solidFill>
+                  <a:srgbClr val="FF0000"/>
                 </a:solidFill>
               </a:rPr>
-              <a:t>Supervised Learning</a:t>
-            </a:r>
-          </a:p>
-          <a:p>
-            <a:r>
-              <a:rPr lang="en-US" b="1" dirty="0">
-                <a:solidFill>
-                  <a:srgbClr val="002060"/>
-                </a:solidFill>
-              </a:rPr>
-              <a:t>Unsupervised Learning</a:t>
-            </a:r>
-          </a:p>
-          <a:p>
-            <a:r>
-              <a:rPr lang="en-US" b="1" dirty="0">
-                <a:solidFill>
-                  <a:srgbClr val="002060"/>
-                </a:solidFill>
-              </a:rPr>
-              <a:t>Deep Learning</a:t>
-            </a:r>
+              <a:t>Numerical Data (Quantitative)</a:t>
+            </a:r>
+          </a:p>
+          <a:p>
+            <a:pPr marL="0" indent="0">
+              <a:buNone/>
+            </a:pPr>
             <a:endParaRPr lang="en-IN" dirty="0">
               <a:solidFill>
-                <a:srgbClr val="002060"/>
+                <a:srgbClr val="FF0000"/>
               </a:solidFill>
             </a:endParaRPr>
           </a:p>
         </p:txBody>
       </p:sp>
+      <p:graphicFrame>
+        <p:nvGraphicFramePr>
+          <p:cNvPr id="5" name="Table 4">
+            <a:extLst>
+              <a:ext uri="{FF2B5EF4-FFF2-40B4-BE49-F238E27FC236}">
+                <a16:creationId xmlns:a16="http://schemas.microsoft.com/office/drawing/2014/main" id="{917387D9-6FCC-B059-BC9A-FB78329E00C5}"/>
+              </a:ext>
+            </a:extLst>
+          </p:cNvPr>
+          <p:cNvGraphicFramePr>
+            <a:graphicFrameLocks noGrp="1"/>
+          </p:cNvGraphicFramePr>
+          <p:nvPr>
+            <p:extLst>
+              <p:ext uri="{D42A27DB-BD31-4B8C-83A1-F6EECF244321}">
+                <p14:modId xmlns:p14="http://schemas.microsoft.com/office/powerpoint/2010/main" val="794046375"/>
+              </p:ext>
+            </p:extLst>
+          </p:nvPr>
+        </p:nvGraphicFramePr>
+        <p:xfrm>
+          <a:off x="838200" y="2552700"/>
+          <a:ext cx="9155660" cy="2021840"/>
+        </p:xfrm>
+        <a:graphic>
+          <a:graphicData uri="http://schemas.openxmlformats.org/drawingml/2006/table">
+            <a:tbl>
+              <a:tblPr firstRow="1" bandRow="1">
+                <a:tableStyleId>{793D81CF-94F2-401A-BA57-92F5A7B2D0C5}</a:tableStyleId>
+              </a:tblPr>
+              <a:tblGrid>
+                <a:gridCol w="1470285">
+                  <a:extLst>
+                    <a:ext uri="{9D8B030D-6E8A-4147-A177-3AD203B41FA5}">
+                      <a16:colId xmlns:a16="http://schemas.microsoft.com/office/drawing/2014/main" val="1214971980"/>
+                    </a:ext>
+                  </a:extLst>
+                </a:gridCol>
+                <a:gridCol w="2653259">
+                  <a:extLst>
+                    <a:ext uri="{9D8B030D-6E8A-4147-A177-3AD203B41FA5}">
+                      <a16:colId xmlns:a16="http://schemas.microsoft.com/office/drawing/2014/main" val="3370140682"/>
+                    </a:ext>
+                  </a:extLst>
+                </a:gridCol>
+                <a:gridCol w="2743201">
+                  <a:extLst>
+                    <a:ext uri="{9D8B030D-6E8A-4147-A177-3AD203B41FA5}">
+                      <a16:colId xmlns:a16="http://schemas.microsoft.com/office/drawing/2014/main" val="3588893050"/>
+                    </a:ext>
+                  </a:extLst>
+                </a:gridCol>
+                <a:gridCol w="2288915">
+                  <a:extLst>
+                    <a:ext uri="{9D8B030D-6E8A-4147-A177-3AD203B41FA5}">
+                      <a16:colId xmlns:a16="http://schemas.microsoft.com/office/drawing/2014/main" val="3281919228"/>
+                    </a:ext>
+                  </a:extLst>
+                </a:gridCol>
+              </a:tblGrid>
+              <a:tr h="370840">
+                <a:tc>
+                  <a:txBody>
+                    <a:bodyPr/>
+                    <a:lstStyle/>
+                    <a:p>
+                      <a:r>
+                        <a:rPr lang="en-IN" dirty="0"/>
+                        <a:t>Type</a:t>
+                      </a:r>
+                    </a:p>
+                  </a:txBody>
+                  <a:tcPr/>
+                </a:tc>
+                <a:tc>
+                  <a:txBody>
+                    <a:bodyPr/>
+                    <a:lstStyle/>
+                    <a:p>
+                      <a:r>
+                        <a:rPr lang="en-IN" dirty="0"/>
+                        <a:t>Description</a:t>
+                      </a:r>
+                    </a:p>
+                  </a:txBody>
+                  <a:tcPr/>
+                </a:tc>
+                <a:tc>
+                  <a:txBody>
+                    <a:bodyPr/>
+                    <a:lstStyle/>
+                    <a:p>
+                      <a:r>
+                        <a:rPr lang="en-IN" dirty="0"/>
+                        <a:t>Examples</a:t>
+                      </a:r>
+                    </a:p>
+                  </a:txBody>
+                  <a:tcPr/>
+                </a:tc>
+                <a:tc>
+                  <a:txBody>
+                    <a:bodyPr/>
+                    <a:lstStyle/>
+                    <a:p>
+                      <a:r>
+                        <a:rPr lang="en-IN" dirty="0"/>
+                        <a:t>Typical Operations</a:t>
+                      </a:r>
+                    </a:p>
+                  </a:txBody>
+                  <a:tcPr/>
+                </a:tc>
+                <a:extLst>
+                  <a:ext uri="{0D108BD9-81ED-4DB2-BD59-A6C34878D82A}">
+                    <a16:rowId xmlns:a16="http://schemas.microsoft.com/office/drawing/2014/main" val="747301371"/>
+                  </a:ext>
+                </a:extLst>
+              </a:tr>
+              <a:tr h="370840">
+                <a:tc>
+                  <a:txBody>
+                    <a:bodyPr/>
+                    <a:lstStyle/>
+                    <a:p>
+                      <a:r>
+                        <a:rPr lang="en-IN" dirty="0"/>
+                        <a:t>Discrete</a:t>
+                      </a:r>
+                    </a:p>
+                  </a:txBody>
+                  <a:tcPr/>
+                </a:tc>
+                <a:tc>
+                  <a:txBody>
+                    <a:bodyPr/>
+                    <a:lstStyle/>
+                    <a:p>
+                      <a:r>
+                        <a:rPr lang="en-IN" dirty="0"/>
+                        <a:t>Countable values, often integers</a:t>
+                      </a:r>
+                    </a:p>
+                  </a:txBody>
+                  <a:tcPr/>
+                </a:tc>
+                <a:tc>
+                  <a:txBody>
+                    <a:bodyPr/>
+                    <a:lstStyle/>
+                    <a:p>
+                      <a:r>
+                        <a:rPr lang="en-US" dirty="0"/>
+                        <a:t>Number of children, cars owned</a:t>
+                      </a:r>
+                      <a:endParaRPr lang="en-IN" dirty="0"/>
+                    </a:p>
+                  </a:txBody>
+                  <a:tcPr/>
+                </a:tc>
+                <a:tc>
+                  <a:txBody>
+                    <a:bodyPr/>
+                    <a:lstStyle/>
+                    <a:p>
+                      <a:r>
+                        <a:rPr lang="en-IN" dirty="0"/>
+                        <a:t>Count, frequency</a:t>
+                      </a:r>
+                    </a:p>
+                  </a:txBody>
+                  <a:tcPr/>
+                </a:tc>
+                <a:extLst>
+                  <a:ext uri="{0D108BD9-81ED-4DB2-BD59-A6C34878D82A}">
+                    <a16:rowId xmlns:a16="http://schemas.microsoft.com/office/drawing/2014/main" val="3835632776"/>
+                  </a:ext>
+                </a:extLst>
+              </a:tr>
+              <a:tr h="370840">
+                <a:tc>
+                  <a:txBody>
+                    <a:bodyPr/>
+                    <a:lstStyle/>
+                    <a:p>
+                      <a:r>
+                        <a:rPr lang="en-IN" dirty="0"/>
+                        <a:t>Continuous</a:t>
+                      </a:r>
+                    </a:p>
+                  </a:txBody>
+                  <a:tcPr/>
+                </a:tc>
+                <a:tc>
+                  <a:txBody>
+                    <a:bodyPr/>
+                    <a:lstStyle/>
+                    <a:p>
+                      <a:r>
+                        <a:rPr lang="en-US" dirty="0"/>
+                        <a:t>Any value within a range, including decimals</a:t>
+                      </a:r>
+                      <a:endParaRPr lang="en-IN" dirty="0"/>
+                    </a:p>
+                  </a:txBody>
+                  <a:tcPr/>
+                </a:tc>
+                <a:tc>
+                  <a:txBody>
+                    <a:bodyPr/>
+                    <a:lstStyle/>
+                    <a:p>
+                      <a:r>
+                        <a:rPr lang="en-IN" dirty="0"/>
+                        <a:t>Height, temperature, income</a:t>
+                      </a:r>
+                    </a:p>
+                  </a:txBody>
+                  <a:tcPr/>
+                </a:tc>
+                <a:tc>
+                  <a:txBody>
+                    <a:bodyPr/>
+                    <a:lstStyle/>
+                    <a:p>
+                      <a:r>
+                        <a:rPr lang="en-IN" dirty="0"/>
+                        <a:t>Mean, standard deviation, correlation</a:t>
+                      </a:r>
+                    </a:p>
+                  </a:txBody>
+                  <a:tcPr/>
+                </a:tc>
+                <a:extLst>
+                  <a:ext uri="{0D108BD9-81ED-4DB2-BD59-A6C34878D82A}">
+                    <a16:rowId xmlns:a16="http://schemas.microsoft.com/office/drawing/2014/main" val="1182607802"/>
+                  </a:ext>
+                </a:extLst>
+              </a:tr>
+              <a:tr h="370840">
+                <a:tc>
+                  <a:txBody>
+                    <a:bodyPr/>
+                    <a:lstStyle/>
+                    <a:p>
+                      <a:endParaRPr lang="en-IN"/>
+                    </a:p>
+                  </a:txBody>
+                  <a:tcPr/>
+                </a:tc>
+                <a:tc>
+                  <a:txBody>
+                    <a:bodyPr/>
+                    <a:lstStyle/>
+                    <a:p>
+                      <a:endParaRPr lang="en-IN"/>
+                    </a:p>
+                  </a:txBody>
+                  <a:tcPr/>
+                </a:tc>
+                <a:tc>
+                  <a:txBody>
+                    <a:bodyPr/>
+                    <a:lstStyle/>
+                    <a:p>
+                      <a:endParaRPr lang="en-IN"/>
+                    </a:p>
+                  </a:txBody>
+                  <a:tcPr/>
+                </a:tc>
+                <a:tc>
+                  <a:txBody>
+                    <a:bodyPr/>
+                    <a:lstStyle/>
+                    <a:p>
+                      <a:endParaRPr lang="en-IN" dirty="0"/>
+                    </a:p>
+                  </a:txBody>
+                  <a:tcPr/>
+                </a:tc>
+                <a:extLst>
+                  <a:ext uri="{0D108BD9-81ED-4DB2-BD59-A6C34878D82A}">
+                    <a16:rowId xmlns:a16="http://schemas.microsoft.com/office/drawing/2014/main" val="1371844946"/>
+                  </a:ext>
+                </a:extLst>
+              </a:tr>
+            </a:tbl>
+          </a:graphicData>
+        </a:graphic>
+      </p:graphicFrame>
     </p:spTree>
     <p:extLst>
       <p:ext uri="{BB962C8B-B14F-4D97-AF65-F5344CB8AC3E}">
-        <p14:creationId xmlns:p14="http://schemas.microsoft.com/office/powerpoint/2010/main" val="1248854694"/>
+        <p14:creationId xmlns:p14="http://schemas.microsoft.com/office/powerpoint/2010/main" val="732238107"/>
       </p:ext>
     </p:extLst>
   </p:cSld>
@@ -5203,7 +7544,7 @@
         <p:cNvPr id="1" name="">
           <a:extLst>
             <a:ext uri="{FF2B5EF4-FFF2-40B4-BE49-F238E27FC236}">
-              <a16:creationId xmlns:a16="http://schemas.microsoft.com/office/drawing/2014/main" id="{E7AA1D02-136D-8F7F-374E-AE382BC03063}"/>
+              <a16:creationId xmlns:a16="http://schemas.microsoft.com/office/drawing/2014/main" id="{706874BF-A8EE-8CE6-6DA6-501A45D3EB05}"/>
             </a:ext>
           </a:extLst>
         </p:cNvPr>
@@ -5223,7 +7564,7 @@
           <p:cNvPr id="9" name="Picture 8">
             <a:extLst>
               <a:ext uri="{FF2B5EF4-FFF2-40B4-BE49-F238E27FC236}">
-                <a16:creationId xmlns:a16="http://schemas.microsoft.com/office/drawing/2014/main" id="{E7093ADB-6CDE-1EFA-767B-454223F6BE2C}"/>
+                <a16:creationId xmlns:a16="http://schemas.microsoft.com/office/drawing/2014/main" id="{77632FA8-A032-C5CC-3046-18FB78B861AE}"/>
               </a:ext>
             </a:extLst>
           </p:cNvPr>
@@ -5246,7 +7587,7 @@
         </p:blipFill>
         <p:spPr>
           <a:xfrm>
-            <a:off x="0" y="0"/>
+            <a:off x="0" y="4707"/>
             <a:ext cx="12192000" cy="6853293"/>
           </a:xfrm>
           <a:prstGeom prst="rect">
@@ -5259,7 +7600,7 @@
           <p:cNvPr id="12" name="Title 11">
             <a:extLst>
               <a:ext uri="{FF2B5EF4-FFF2-40B4-BE49-F238E27FC236}">
-                <a16:creationId xmlns:a16="http://schemas.microsoft.com/office/drawing/2014/main" id="{764EDC2E-9453-3590-CDEE-148E9E4055CA}"/>
+                <a16:creationId xmlns:a16="http://schemas.microsoft.com/office/drawing/2014/main" id="{00F2E0B1-76C5-2408-2398-5DF5602AF69A}"/>
               </a:ext>
             </a:extLst>
           </p:cNvPr>
@@ -5272,42 +7613,70 @@
         </p:nvSpPr>
         <p:spPr>
           <a:xfrm>
-            <a:off x="838200" y="1109273"/>
-            <a:ext cx="10515600" cy="3189156"/>
+            <a:off x="838200" y="1090864"/>
+            <a:ext cx="10515600" cy="734762"/>
           </a:xfrm>
         </p:spPr>
         <p:txBody>
           <a:bodyPr>
-            <a:normAutofit/>
+            <a:normAutofit fontScale="90000"/>
           </a:bodyPr>
           <a:lstStyle/>
           <a:p>
-            <a:r>
+            <a:br>
               <a:rPr lang="en-US" b="1" dirty="0">
                 <a:solidFill>
                   <a:srgbClr val="C00000"/>
-                </a:solidFill>
-              </a:rPr>
-              <a:t>Supervised Learning</a:t>
-            </a:r>
-            <a:br>
-              <a:rPr lang="en-IN" dirty="0">
-                <a:solidFill>
-                  <a:srgbClr val="002060"/>
                 </a:solidFill>
               </a:rPr>
             </a:br>
             <a:br>
-              <a:rPr lang="en-US" dirty="0">
-                <a:solidFill>
-                  <a:srgbClr val="002060"/>
+              <a:rPr lang="en-US" b="1" dirty="0">
+                <a:solidFill>
+                  <a:srgbClr val="C00000"/>
                 </a:solidFill>
               </a:rPr>
             </a:br>
             <a:br>
-              <a:rPr lang="en-US" dirty="0">
-                <a:solidFill>
-                  <a:srgbClr val="002060"/>
+              <a:rPr lang="en-US" b="1" dirty="0">
+                <a:solidFill>
+                  <a:srgbClr val="C00000"/>
+                </a:solidFill>
+              </a:rPr>
+            </a:br>
+            <a:br>
+              <a:rPr lang="en-US" b="1" dirty="0">
+                <a:solidFill>
+                  <a:srgbClr val="C00000"/>
+                </a:solidFill>
+              </a:rPr>
+            </a:br>
+            <a:r>
+              <a:rPr lang="en-US" b="1" dirty="0">
+                <a:solidFill>
+                  <a:srgbClr val="C00000"/>
+                </a:solidFill>
+              </a:rPr>
+              <a:t>Types of Data in Statistical Analysis</a:t>
+            </a:r>
+            <a:br>
+              <a:rPr lang="en-US" b="1" dirty="0">
+                <a:solidFill>
+                  <a:srgbClr val="C00000"/>
+                </a:solidFill>
+              </a:rPr>
+            </a:br>
+            <a:br>
+              <a:rPr lang="en-US" b="1" dirty="0">
+                <a:solidFill>
+                  <a:srgbClr val="C00000"/>
+                </a:solidFill>
+              </a:rPr>
+            </a:br>
+            <a:br>
+              <a:rPr lang="en-US" b="1" dirty="0">
+                <a:solidFill>
+                  <a:srgbClr val="C00000"/>
                 </a:solidFill>
               </a:rPr>
             </a:br>
@@ -5331,7 +7700,7 @@
           <p:cNvPr id="4" name="Content Placeholder 3">
             <a:extLst>
               <a:ext uri="{FF2B5EF4-FFF2-40B4-BE49-F238E27FC236}">
-                <a16:creationId xmlns:a16="http://schemas.microsoft.com/office/drawing/2014/main" id="{AB0C367C-6704-41A3-7DE2-9756C9777541}"/>
+                <a16:creationId xmlns:a16="http://schemas.microsoft.com/office/drawing/2014/main" id="{97A0660E-3775-4014-C1AE-19B6405385F6}"/>
               </a:ext>
             </a:extLst>
           </p:cNvPr>
@@ -5342,24 +7711,324 @@
             <p:ph idx="1"/>
           </p:nvPr>
         </p:nvSpPr>
-        <p:spPr>
-          <a:xfrm>
-            <a:off x="838200" y="2261937"/>
-            <a:ext cx="10515600" cy="3915026"/>
-          </a:xfrm>
-        </p:spPr>
+        <p:spPr/>
         <p:txBody>
           <a:bodyPr/>
           <a:lstStyle/>
           <a:p>
-            <a:endParaRPr lang="en-IN" dirty="0"/>
+            <a:pPr marL="0" indent="0">
+              <a:buNone/>
+            </a:pPr>
+            <a:r>
+              <a:rPr lang="en-IN" b="1" dirty="0">
+                <a:solidFill>
+                  <a:srgbClr val="FF0000"/>
+                </a:solidFill>
+              </a:rPr>
+              <a:t>Categorical Data (Qualitative)</a:t>
+            </a:r>
+            <a:endParaRPr lang="en-IN" dirty="0">
+              <a:solidFill>
+                <a:srgbClr val="FF0000"/>
+              </a:solidFill>
+            </a:endParaRPr>
           </a:p>
         </p:txBody>
       </p:sp>
+      <p:graphicFrame>
+        <p:nvGraphicFramePr>
+          <p:cNvPr id="5" name="Table 4">
+            <a:extLst>
+              <a:ext uri="{FF2B5EF4-FFF2-40B4-BE49-F238E27FC236}">
+                <a16:creationId xmlns:a16="http://schemas.microsoft.com/office/drawing/2014/main" id="{A2D7F6CB-F95A-67BF-A217-06E94DB7B035}"/>
+              </a:ext>
+            </a:extLst>
+          </p:cNvPr>
+          <p:cNvGraphicFramePr>
+            <a:graphicFrameLocks noGrp="1"/>
+          </p:cNvGraphicFramePr>
+          <p:nvPr>
+            <p:extLst>
+              <p:ext uri="{D42A27DB-BD31-4B8C-83A1-F6EECF244321}">
+                <p14:modId xmlns:p14="http://schemas.microsoft.com/office/powerpoint/2010/main" val="3117223493"/>
+              </p:ext>
+            </p:extLst>
+          </p:nvPr>
+        </p:nvGraphicFramePr>
+        <p:xfrm>
+          <a:off x="838200" y="2552700"/>
+          <a:ext cx="9155660" cy="2021840"/>
+        </p:xfrm>
+        <a:graphic>
+          <a:graphicData uri="http://schemas.openxmlformats.org/drawingml/2006/table">
+            <a:tbl>
+              <a:tblPr firstRow="1" bandRow="1">
+                <a:tableStyleId>{793D81CF-94F2-401A-BA57-92F5A7B2D0C5}</a:tableStyleId>
+              </a:tblPr>
+              <a:tblGrid>
+                <a:gridCol w="1470285">
+                  <a:extLst>
+                    <a:ext uri="{9D8B030D-6E8A-4147-A177-3AD203B41FA5}">
+                      <a16:colId xmlns:a16="http://schemas.microsoft.com/office/drawing/2014/main" val="1214971980"/>
+                    </a:ext>
+                  </a:extLst>
+                </a:gridCol>
+                <a:gridCol w="2653259">
+                  <a:extLst>
+                    <a:ext uri="{9D8B030D-6E8A-4147-A177-3AD203B41FA5}">
+                      <a16:colId xmlns:a16="http://schemas.microsoft.com/office/drawing/2014/main" val="3370140682"/>
+                    </a:ext>
+                  </a:extLst>
+                </a:gridCol>
+                <a:gridCol w="2743201">
+                  <a:extLst>
+                    <a:ext uri="{9D8B030D-6E8A-4147-A177-3AD203B41FA5}">
+                      <a16:colId xmlns:a16="http://schemas.microsoft.com/office/drawing/2014/main" val="3588893050"/>
+                    </a:ext>
+                  </a:extLst>
+                </a:gridCol>
+                <a:gridCol w="2288915">
+                  <a:extLst>
+                    <a:ext uri="{9D8B030D-6E8A-4147-A177-3AD203B41FA5}">
+                      <a16:colId xmlns:a16="http://schemas.microsoft.com/office/drawing/2014/main" val="3281919228"/>
+                    </a:ext>
+                  </a:extLst>
+                </a:gridCol>
+              </a:tblGrid>
+              <a:tr h="370840">
+                <a:tc>
+                  <a:txBody>
+                    <a:bodyPr/>
+                    <a:lstStyle/>
+                    <a:p>
+                      <a:r>
+                        <a:rPr lang="en-IN" dirty="0"/>
+                        <a:t>Type</a:t>
+                      </a:r>
+                    </a:p>
+                  </a:txBody>
+                  <a:tcPr/>
+                </a:tc>
+                <a:tc>
+                  <a:txBody>
+                    <a:bodyPr/>
+                    <a:lstStyle/>
+                    <a:p>
+                      <a:r>
+                        <a:rPr lang="en-IN" dirty="0"/>
+                        <a:t>Description</a:t>
+                      </a:r>
+                    </a:p>
+                  </a:txBody>
+                  <a:tcPr/>
+                </a:tc>
+                <a:tc>
+                  <a:txBody>
+                    <a:bodyPr/>
+                    <a:lstStyle/>
+                    <a:p>
+                      <a:r>
+                        <a:rPr lang="en-IN" dirty="0"/>
+                        <a:t>Examples</a:t>
+                      </a:r>
+                    </a:p>
+                  </a:txBody>
+                  <a:tcPr/>
+                </a:tc>
+                <a:tc>
+                  <a:txBody>
+                    <a:bodyPr/>
+                    <a:lstStyle/>
+                    <a:p>
+                      <a:r>
+                        <a:rPr lang="en-IN" dirty="0"/>
+                        <a:t>Typical Operations</a:t>
+                      </a:r>
+                    </a:p>
+                  </a:txBody>
+                  <a:tcPr/>
+                </a:tc>
+                <a:extLst>
+                  <a:ext uri="{0D108BD9-81ED-4DB2-BD59-A6C34878D82A}">
+                    <a16:rowId xmlns:a16="http://schemas.microsoft.com/office/drawing/2014/main" val="747301371"/>
+                  </a:ext>
+                </a:extLst>
+              </a:tr>
+              <a:tr h="370840">
+                <a:tc>
+                  <a:txBody>
+                    <a:bodyPr/>
+                    <a:lstStyle/>
+                    <a:p>
+                      <a:r>
+                        <a:rPr lang="en-IN" dirty="0"/>
+                        <a:t>Nominal</a:t>
+                      </a:r>
+                    </a:p>
+                  </a:txBody>
+                  <a:tcPr/>
+                </a:tc>
+                <a:tc>
+                  <a:txBody>
+                    <a:bodyPr/>
+                    <a:lstStyle/>
+                    <a:p>
+                      <a:r>
+                        <a:rPr lang="en-IN" dirty="0"/>
+                        <a:t>Categories with no order</a:t>
+                      </a:r>
+                    </a:p>
+                  </a:txBody>
+                  <a:tcPr/>
+                </a:tc>
+                <a:tc>
+                  <a:txBody>
+                    <a:bodyPr/>
+                    <a:lstStyle/>
+                    <a:p>
+                      <a:r>
+                        <a:rPr lang="en-US" dirty="0"/>
+                        <a:t>Gender, country, device type</a:t>
+                      </a:r>
+                      <a:endParaRPr lang="en-IN" dirty="0"/>
+                    </a:p>
+                  </a:txBody>
+                  <a:tcPr/>
+                </a:tc>
+                <a:tc>
+                  <a:txBody>
+                    <a:bodyPr/>
+                    <a:lstStyle/>
+                    <a:p>
+                      <a:r>
+                        <a:rPr lang="en-IN" dirty="0"/>
+                        <a:t>Mode, frequency</a:t>
+                      </a:r>
+                    </a:p>
+                  </a:txBody>
+                  <a:tcPr/>
+                </a:tc>
+                <a:extLst>
+                  <a:ext uri="{0D108BD9-81ED-4DB2-BD59-A6C34878D82A}">
+                    <a16:rowId xmlns:a16="http://schemas.microsoft.com/office/drawing/2014/main" val="3835632776"/>
+                  </a:ext>
+                </a:extLst>
+              </a:tr>
+              <a:tr h="370840">
+                <a:tc>
+                  <a:txBody>
+                    <a:bodyPr/>
+                    <a:lstStyle/>
+                    <a:p>
+                      <a:r>
+                        <a:rPr lang="en-IN" dirty="0"/>
+                        <a:t>Ordinal</a:t>
+                      </a:r>
+                    </a:p>
+                  </a:txBody>
+                  <a:tcPr/>
+                </a:tc>
+                <a:tc>
+                  <a:txBody>
+                    <a:bodyPr/>
+                    <a:lstStyle/>
+                    <a:p>
+                      <a:r>
+                        <a:rPr lang="en-US" dirty="0"/>
+                        <a:t>Categories with a meaningful order</a:t>
+                      </a:r>
+                      <a:endParaRPr lang="en-IN" dirty="0"/>
+                    </a:p>
+                  </a:txBody>
+                  <a:tcPr/>
+                </a:tc>
+                <a:tc>
+                  <a:txBody>
+                    <a:bodyPr/>
+                    <a:lstStyle/>
+                    <a:p>
+                      <a:r>
+                        <a:rPr lang="en-IN" dirty="0"/>
+                        <a:t>Education level, satisfaction rating</a:t>
+                      </a:r>
+                    </a:p>
+                  </a:txBody>
+                  <a:tcPr/>
+                </a:tc>
+                <a:tc>
+                  <a:txBody>
+                    <a:bodyPr/>
+                    <a:lstStyle/>
+                    <a:p>
+                      <a:r>
+                        <a:rPr lang="en-IN" dirty="0"/>
+                        <a:t>Median, rank correlation</a:t>
+                      </a:r>
+                    </a:p>
+                  </a:txBody>
+                  <a:tcPr/>
+                </a:tc>
+                <a:extLst>
+                  <a:ext uri="{0D108BD9-81ED-4DB2-BD59-A6C34878D82A}">
+                    <a16:rowId xmlns:a16="http://schemas.microsoft.com/office/drawing/2014/main" val="1182607802"/>
+                  </a:ext>
+                </a:extLst>
+              </a:tr>
+              <a:tr h="370840">
+                <a:tc>
+                  <a:txBody>
+                    <a:bodyPr/>
+                    <a:lstStyle/>
+                    <a:p>
+                      <a:endParaRPr lang="en-IN"/>
+                    </a:p>
+                  </a:txBody>
+                  <a:tcPr/>
+                </a:tc>
+                <a:tc>
+                  <a:txBody>
+                    <a:bodyPr/>
+                    <a:lstStyle/>
+                    <a:p>
+                      <a:endParaRPr lang="en-IN"/>
+                    </a:p>
+                  </a:txBody>
+                  <a:tcPr/>
+                </a:tc>
+                <a:tc>
+                  <a:txBody>
+                    <a:bodyPr/>
+                    <a:lstStyle/>
+                    <a:p>
+                      <a:endParaRPr lang="en-IN"/>
+                    </a:p>
+                  </a:txBody>
+                  <a:tcPr/>
+                </a:tc>
+                <a:tc>
+                  <a:txBody>
+                    <a:bodyPr/>
+                    <a:lstStyle/>
+                    <a:p>
+                      <a:endParaRPr lang="en-IN" dirty="0"/>
+                    </a:p>
+                  </a:txBody>
+                  <a:tcPr/>
+                </a:tc>
+                <a:extLst>
+                  <a:ext uri="{0D108BD9-81ED-4DB2-BD59-A6C34878D82A}">
+                    <a16:rowId xmlns:a16="http://schemas.microsoft.com/office/drawing/2014/main" val="1371844946"/>
+                  </a:ext>
+                </a:extLst>
+              </a:tr>
+            </a:tbl>
+          </a:graphicData>
+        </a:graphic>
+      </p:graphicFrame>
     </p:spTree>
     <p:extLst>
       <p:ext uri="{BB962C8B-B14F-4D97-AF65-F5344CB8AC3E}">
-        <p14:creationId xmlns:p14="http://schemas.microsoft.com/office/powerpoint/2010/main" val="2329110552"/>
+        <p14:creationId xmlns:p14="http://schemas.microsoft.com/office/powerpoint/2010/main" val="2591591968"/>
       </p:ext>
     </p:extLst>
   </p:cSld>
@@ -5377,7 +8046,7 @@
         <p:cNvPr id="1" name="">
           <a:extLst>
             <a:ext uri="{FF2B5EF4-FFF2-40B4-BE49-F238E27FC236}">
-              <a16:creationId xmlns:a16="http://schemas.microsoft.com/office/drawing/2014/main" id="{9CF09576-E858-385A-6B65-E89E2DE87113}"/>
+              <a16:creationId xmlns:a16="http://schemas.microsoft.com/office/drawing/2014/main" id="{68F1E53D-3C76-2B89-7413-DBDC2225353B}"/>
             </a:ext>
           </a:extLst>
         </p:cNvPr>
@@ -5397,7 +8066,7 @@
           <p:cNvPr id="9" name="Picture 8">
             <a:extLst>
               <a:ext uri="{FF2B5EF4-FFF2-40B4-BE49-F238E27FC236}">
-                <a16:creationId xmlns:a16="http://schemas.microsoft.com/office/drawing/2014/main" id="{33BF3416-F596-A4E5-4C37-0D412E238B82}"/>
+                <a16:creationId xmlns:a16="http://schemas.microsoft.com/office/drawing/2014/main" id="{A02708D7-54B5-AA74-DA02-EAF9CD44FE7B}"/>
               </a:ext>
             </a:extLst>
           </p:cNvPr>
@@ -5420,7 +8089,7 @@
         </p:blipFill>
         <p:spPr>
           <a:xfrm>
-            <a:off x="0" y="0"/>
+            <a:off x="0" y="4707"/>
             <a:ext cx="12192000" cy="6853293"/>
           </a:xfrm>
           <a:prstGeom prst="rect">
@@ -5433,7 +8102,7 @@
           <p:cNvPr id="12" name="Title 11">
             <a:extLst>
               <a:ext uri="{FF2B5EF4-FFF2-40B4-BE49-F238E27FC236}">
-                <a16:creationId xmlns:a16="http://schemas.microsoft.com/office/drawing/2014/main" id="{C81E761A-B771-599A-6E0D-BF4406F06A5E}"/>
+                <a16:creationId xmlns:a16="http://schemas.microsoft.com/office/drawing/2014/main" id="{14076912-AE50-4510-842F-EDE046C9C57E}"/>
               </a:ext>
             </a:extLst>
           </p:cNvPr>
@@ -5444,51 +8113,74 @@
             <p:ph type="title"/>
           </p:nvPr>
         </p:nvSpPr>
-        <p:spPr>
-          <a:xfrm>
-            <a:off x="838200" y="1363581"/>
-            <a:ext cx="10515600" cy="3076074"/>
-          </a:xfrm>
-        </p:spPr>
+        <p:spPr/>
         <p:txBody>
           <a:bodyPr>
             <a:normAutofit fontScale="90000"/>
           </a:bodyPr>
           <a:lstStyle/>
           <a:p>
-            <a:r>
+            <a:br>
               <a:rPr lang="en-US" b="1" dirty="0">
                 <a:solidFill>
                   <a:srgbClr val="C00000"/>
-                </a:solidFill>
-              </a:rPr>
-              <a:t>Unsupervised Learning</a:t>
-            </a:r>
-            <a:br>
-              <a:rPr lang="en-IN" dirty="0">
-                <a:solidFill>
-                  <a:srgbClr val="002060"/>
                 </a:solidFill>
               </a:rPr>
             </a:br>
             <a:br>
-              <a:rPr lang="en-IN" dirty="0">
-                <a:solidFill>
-                  <a:srgbClr val="002060"/>
+              <a:rPr lang="en-US" b="1" dirty="0">
+                <a:solidFill>
+                  <a:srgbClr val="C00000"/>
                 </a:solidFill>
               </a:rPr>
             </a:br>
             <a:br>
-              <a:rPr lang="en-US" dirty="0">
-                <a:solidFill>
-                  <a:srgbClr val="002060"/>
+              <a:rPr lang="en-US" b="1" dirty="0">
+                <a:solidFill>
+                  <a:srgbClr val="C00000"/>
                 </a:solidFill>
               </a:rPr>
             </a:br>
             <a:br>
-              <a:rPr lang="en-US" dirty="0">
-                <a:solidFill>
-                  <a:srgbClr val="002060"/>
+              <a:rPr lang="en-US" b="1" dirty="0">
+                <a:solidFill>
+                  <a:srgbClr val="C00000"/>
+                </a:solidFill>
+              </a:rPr>
+            </a:br>
+            <a:br>
+              <a:rPr lang="en-US" b="1" dirty="0">
+                <a:solidFill>
+                  <a:srgbClr val="C00000"/>
+                </a:solidFill>
+              </a:rPr>
+            </a:br>
+            <a:r>
+              <a:rPr lang="en-US" b="1" dirty="0">
+                <a:solidFill>
+                  <a:srgbClr val="C00000"/>
+                </a:solidFill>
+              </a:rPr>
+              <a:t>Types of Data in Statistical Analysis</a:t>
+            </a:r>
+            <a:br>
+              <a:rPr lang="en-US" b="1" dirty="0">
+                <a:solidFill>
+                  <a:srgbClr val="C00000"/>
+                </a:solidFill>
+              </a:rPr>
+            </a:br>
+            <a:br>
+              <a:rPr lang="en-US" b="1" dirty="0">
+                <a:solidFill>
+                  <a:srgbClr val="C00000"/>
+                </a:solidFill>
+              </a:rPr>
+            </a:br>
+            <a:br>
+              <a:rPr lang="en-US" b="1" dirty="0">
+                <a:solidFill>
+                  <a:srgbClr val="C00000"/>
                 </a:solidFill>
               </a:rPr>
             </a:br>
@@ -5512,7 +8204,7 @@
           <p:cNvPr id="4" name="Content Placeholder 3">
             <a:extLst>
               <a:ext uri="{FF2B5EF4-FFF2-40B4-BE49-F238E27FC236}">
-                <a16:creationId xmlns:a16="http://schemas.microsoft.com/office/drawing/2014/main" id="{ED8A8A9C-83F7-2FA5-E8C6-CEA7A3C471CB}"/>
+                <a16:creationId xmlns:a16="http://schemas.microsoft.com/office/drawing/2014/main" id="{0BB65271-CEB7-393A-7C49-416B276B4C29}"/>
               </a:ext>
             </a:extLst>
           </p:cNvPr>
@@ -5523,24 +8215,130 @@
             <p:ph idx="1"/>
           </p:nvPr>
         </p:nvSpPr>
-        <p:spPr>
-          <a:xfrm>
-            <a:off x="838200" y="2261937"/>
-            <a:ext cx="10515600" cy="3915026"/>
-          </a:xfrm>
-        </p:spPr>
+        <p:spPr/>
         <p:txBody>
           <a:bodyPr/>
           <a:lstStyle/>
           <a:p>
-            <a:endParaRPr lang="en-IN" dirty="0"/>
+            <a:pPr marL="0" indent="0">
+              <a:buNone/>
+            </a:pPr>
+            <a:r>
+              <a:rPr lang="en-IN" b="1" dirty="0">
+                <a:solidFill>
+                  <a:srgbClr val="FF0000"/>
+                </a:solidFill>
+              </a:rPr>
+              <a:t>Boolean Data</a:t>
+            </a:r>
+          </a:p>
+          <a:p>
+            <a:pPr marL="0" indent="0">
+              <a:buNone/>
+            </a:pPr>
+            <a:r>
+              <a:rPr lang="en-US" dirty="0">
+                <a:solidFill>
+                  <a:srgbClr val="002060"/>
+                </a:solidFill>
+              </a:rPr>
+              <a:t>Binary values representing true/false or yes/no</a:t>
+            </a:r>
+          </a:p>
+          <a:p>
+            <a:pPr marL="0" indent="0">
+              <a:buNone/>
+            </a:pPr>
+            <a:r>
+              <a:rPr lang="en-IN" b="1" dirty="0">
+                <a:solidFill>
+                  <a:srgbClr val="00B050"/>
+                </a:solidFill>
+              </a:rPr>
+              <a:t>Operations: </a:t>
+            </a:r>
+            <a:r>
+              <a:rPr lang="en-IN" dirty="0">
+                <a:solidFill>
+                  <a:srgbClr val="002060"/>
+                </a:solidFill>
+              </a:rPr>
+              <a:t>Logical comparisons, binary classification</a:t>
+            </a:r>
+          </a:p>
+          <a:p>
+            <a:pPr marL="0" indent="0">
+              <a:buNone/>
+            </a:pPr>
+            <a:endParaRPr lang="en-IN" dirty="0">
+              <a:solidFill>
+                <a:srgbClr val="002060"/>
+              </a:solidFill>
+            </a:endParaRPr>
+          </a:p>
+          <a:p>
+            <a:pPr marL="0" indent="0">
+              <a:buNone/>
+            </a:pPr>
+            <a:r>
+              <a:rPr lang="en-IN" b="1" dirty="0">
+                <a:solidFill>
+                  <a:srgbClr val="FF0000"/>
+                </a:solidFill>
+              </a:rPr>
+              <a:t>Datetime Data</a:t>
+            </a:r>
+          </a:p>
+          <a:p>
+            <a:pPr marL="0" indent="0">
+              <a:buNone/>
+            </a:pPr>
+            <a:r>
+              <a:rPr lang="en-IN" dirty="0">
+                <a:solidFill>
+                  <a:srgbClr val="002060"/>
+                </a:solidFill>
+              </a:rPr>
+              <a:t>Represents time-based information.</a:t>
+            </a:r>
+          </a:p>
+          <a:p>
+            <a:pPr marL="0" indent="0">
+              <a:buNone/>
+            </a:pPr>
+            <a:r>
+              <a:rPr lang="en-US" dirty="0">
+                <a:solidFill>
+                  <a:srgbClr val="00B050"/>
+                </a:solidFill>
+              </a:rPr>
+              <a:t>Operations: </a:t>
+            </a:r>
+            <a:r>
+              <a:rPr lang="en-US" dirty="0">
+                <a:solidFill>
+                  <a:srgbClr val="002060"/>
+                </a:solidFill>
+              </a:rPr>
+              <a:t>Time difference, resampling, trend analysis</a:t>
+            </a:r>
+          </a:p>
+          <a:p>
+            <a:pPr marL="0" indent="0">
+              <a:buNone/>
+            </a:pPr>
+            <a:endParaRPr lang="en-IN" dirty="0">
+              <a:solidFill>
+                <a:srgbClr val="002060"/>
+              </a:solidFill>
+            </a:endParaRPr>
           </a:p>
         </p:txBody>
       </p:sp>
     </p:spTree>
     <p:extLst>
       <p:ext uri="{BB962C8B-B14F-4D97-AF65-F5344CB8AC3E}">
-        <p14:creationId xmlns:p14="http://schemas.microsoft.com/office/powerpoint/2010/main" val="3334215418"/>
+        <p14:creationId xmlns:p14="http://schemas.microsoft.com/office/powerpoint/2010/main" val="14070359"/>
       </p:ext>
     </p:extLst>
   </p:cSld>
